--- a/方法学展示.pptx
+++ b/方法学展示.pptx
@@ -12,11 +12,9 @@
     <p:sldId id="264" r:id="rId6"/>
     <p:sldId id="265" r:id="rId7"/>
     <p:sldId id="266" r:id="rId8"/>
-    <p:sldId id="267" r:id="rId9"/>
-    <p:sldId id="259" r:id="rId10"/>
-    <p:sldId id="260" r:id="rId11"/>
-    <p:sldId id="261" r:id="rId12"/>
-    <p:sldId id="262" r:id="rId13"/>
+    <p:sldId id="268" r:id="rId9"/>
+    <p:sldId id="270" r:id="rId10"/>
+    <p:sldId id="269" r:id="rId11"/>
   </p:sldIdLst>
   <p:sldSz cx="12192000" cy="6858000"/>
   <p:notesSz cx="6858000" cy="9144000"/>
@@ -115,6 +113,11 @@
       </a:defRPr>
     </a:lvl9pPr>
   </p:defaultTextStyle>
+  <p:extLst>
+    <p:ext uri="{EFAFB233-063F-42B5-8137-9DF3F51BA10A}">
+      <p15:sldGuideLst xmlns:p15="http://schemas.microsoft.com/office/powerpoint/2012/main"/>
+    </p:ext>
+  </p:extLst>
 </p:presentation>
 </file>
 
@@ -175,7 +178,7 @@
           <a:noFill/>
           <a:extLst>
             <a:ext uri="{909E8E84-426E-40dd-AFC4-6F175D3DCCD1}">
-              <a14:hiddenFill xmlns:a14="http://schemas.microsoft.com/office/drawing/2010/main" xmlns="">
+              <a14:hiddenFill xmlns="" xmlns:a14="http://schemas.microsoft.com/office/drawing/2010/main">
                 <a:solidFill>
                   <a:srgbClr val="FFFFFF"/>
                 </a:solidFill>
@@ -234,7 +237,7 @@
             </a:ln>
             <a:extLst>
               <a:ext uri="{91240B29-F687-4f45-9708-019B960494DF}">
-                <a14:hiddenLine xmlns:a14="http://schemas.microsoft.com/office/drawing/2010/main" xmlns="" w="9525">
+                <a14:hiddenLine xmlns="" xmlns:a14="http://schemas.microsoft.com/office/drawing/2010/main" w="9525">
                   <a:solidFill>
                     <a:srgbClr val="000000"/>
                   </a:solidFill>
@@ -324,7 +327,7 @@
             </a:ln>
             <a:extLst>
               <a:ext uri="{91240B29-F687-4f45-9708-019B960494DF}">
-                <a14:hiddenLine xmlns:a14="http://schemas.microsoft.com/office/drawing/2010/main" xmlns="" w="9525">
+                <a14:hiddenLine xmlns="" xmlns:a14="http://schemas.microsoft.com/office/drawing/2010/main" w="9525">
                   <a:solidFill>
                     <a:srgbClr val="000000"/>
                   </a:solidFill>
@@ -414,7 +417,7 @@
             </a:ln>
             <a:extLst>
               <a:ext uri="{91240B29-F687-4f45-9708-019B960494DF}">
-                <a14:hiddenLine xmlns:a14="http://schemas.microsoft.com/office/drawing/2010/main" xmlns="" w="9525">
+                <a14:hiddenLine xmlns="" xmlns:a14="http://schemas.microsoft.com/office/drawing/2010/main" w="9525">
                   <a:solidFill>
                     <a:srgbClr val="000000"/>
                   </a:solidFill>
@@ -448,7 +451,7 @@
             </a:ln>
             <a:extLst>
               <a:ext uri="{91240B29-F687-4f45-9708-019B960494DF}">
-                <a14:hiddenLine xmlns:a14="http://schemas.microsoft.com/office/drawing/2010/main" xmlns="" w="9525">
+                <a14:hiddenLine xmlns="" xmlns:a14="http://schemas.microsoft.com/office/drawing/2010/main" w="9525">
                   <a:solidFill>
                     <a:srgbClr val="000000"/>
                   </a:solidFill>
@@ -538,7 +541,7 @@
             </a:ln>
             <a:extLst>
               <a:ext uri="{91240B29-F687-4f45-9708-019B960494DF}">
-                <a14:hiddenLine xmlns:a14="http://schemas.microsoft.com/office/drawing/2010/main" xmlns="" w="9525">
+                <a14:hiddenLine xmlns="" xmlns:a14="http://schemas.microsoft.com/office/drawing/2010/main" w="9525">
                   <a:solidFill>
                     <a:srgbClr val="000000"/>
                   </a:solidFill>
@@ -600,7 +603,7 @@
             </a:ln>
             <a:extLst>
               <a:ext uri="{91240B29-F687-4f45-9708-019B960494DF}">
-                <a14:hiddenLine xmlns:a14="http://schemas.microsoft.com/office/drawing/2010/main" xmlns="" w="9525">
+                <a14:hiddenLine xmlns="" xmlns:a14="http://schemas.microsoft.com/office/drawing/2010/main" w="9525">
                   <a:solidFill>
                     <a:srgbClr val="000000"/>
                   </a:solidFill>
@@ -662,7 +665,7 @@
             </a:ln>
             <a:extLst>
               <a:ext uri="{91240B29-F687-4f45-9708-019B960494DF}">
-                <a14:hiddenLine xmlns:a14="http://schemas.microsoft.com/office/drawing/2010/main" xmlns="" w="9525">
+                <a14:hiddenLine xmlns="" xmlns:a14="http://schemas.microsoft.com/office/drawing/2010/main" w="9525">
                   <a:solidFill>
                     <a:srgbClr val="000000"/>
                   </a:solidFill>
@@ -752,7 +755,7 @@
             </a:ln>
             <a:extLst>
               <a:ext uri="{91240B29-F687-4f45-9708-019B960494DF}">
-                <a14:hiddenLine xmlns:a14="http://schemas.microsoft.com/office/drawing/2010/main" xmlns="" w="9525">
+                <a14:hiddenLine xmlns="" xmlns:a14="http://schemas.microsoft.com/office/drawing/2010/main" w="9525">
                   <a:solidFill>
                     <a:srgbClr val="000000"/>
                   </a:solidFill>
@@ -814,7 +817,7 @@
             </a:ln>
             <a:extLst>
               <a:ext uri="{91240B29-F687-4f45-9708-019B960494DF}">
-                <a14:hiddenLine xmlns:a14="http://schemas.microsoft.com/office/drawing/2010/main" xmlns="" w="9525">
+                <a14:hiddenLine xmlns="" xmlns:a14="http://schemas.microsoft.com/office/drawing/2010/main" w="9525">
                   <a:solidFill>
                     <a:srgbClr val="000000"/>
                   </a:solidFill>
@@ -876,7 +879,7 @@
             </a:ln>
             <a:extLst>
               <a:ext uri="{91240B29-F687-4f45-9708-019B960494DF}">
-                <a14:hiddenLine xmlns:a14="http://schemas.microsoft.com/office/drawing/2010/main" xmlns="" w="9525">
+                <a14:hiddenLine xmlns="" xmlns:a14="http://schemas.microsoft.com/office/drawing/2010/main" w="9525">
                   <a:solidFill>
                     <a:srgbClr val="000000"/>
                   </a:solidFill>
@@ -966,7 +969,7 @@
             </a:ln>
             <a:extLst>
               <a:ext uri="{91240B29-F687-4f45-9708-019B960494DF}">
-                <a14:hiddenLine xmlns:a14="http://schemas.microsoft.com/office/drawing/2010/main" xmlns="" w="9525">
+                <a14:hiddenLine xmlns="" xmlns:a14="http://schemas.microsoft.com/office/drawing/2010/main" w="9525">
                   <a:solidFill>
                     <a:srgbClr val="000000"/>
                   </a:solidFill>
@@ -1056,7 +1059,7 @@
             </a:ln>
             <a:extLst>
               <a:ext uri="{91240B29-F687-4f45-9708-019B960494DF}">
-                <a14:hiddenLine xmlns:a14="http://schemas.microsoft.com/office/drawing/2010/main" xmlns="" w="9525">
+                <a14:hiddenLine xmlns="" xmlns:a14="http://schemas.microsoft.com/office/drawing/2010/main" w="9525">
                   <a:solidFill>
                     <a:srgbClr val="000000"/>
                   </a:solidFill>
@@ -1118,7 +1121,7 @@
             </a:ln>
             <a:extLst>
               <a:ext uri="{91240B29-F687-4f45-9708-019B960494DF}">
-                <a14:hiddenLine xmlns:a14="http://schemas.microsoft.com/office/drawing/2010/main" xmlns="" w="9525">
+                <a14:hiddenLine xmlns="" xmlns:a14="http://schemas.microsoft.com/office/drawing/2010/main" w="9525">
                   <a:solidFill>
                     <a:srgbClr val="000000"/>
                   </a:solidFill>
@@ -1228,7 +1231,7 @@
             </a:ln>
             <a:extLst>
               <a:ext uri="{91240B29-F687-4f45-9708-019B960494DF}">
-                <a14:hiddenLine xmlns:a14="http://schemas.microsoft.com/office/drawing/2010/main" xmlns="" w="9525">
+                <a14:hiddenLine xmlns="" xmlns:a14="http://schemas.microsoft.com/office/drawing/2010/main" w="9525">
                   <a:solidFill>
                     <a:srgbClr val="000000"/>
                   </a:solidFill>
@@ -1290,7 +1293,7 @@
             </a:ln>
             <a:extLst>
               <a:ext uri="{91240B29-F687-4f45-9708-019B960494DF}">
-                <a14:hiddenLine xmlns:a14="http://schemas.microsoft.com/office/drawing/2010/main" xmlns="" w="9525">
+                <a14:hiddenLine xmlns="" xmlns:a14="http://schemas.microsoft.com/office/drawing/2010/main" w="9525">
                   <a:solidFill>
                     <a:srgbClr val="000000"/>
                   </a:solidFill>
@@ -1380,7 +1383,7 @@
             </a:ln>
             <a:extLst>
               <a:ext uri="{91240B29-F687-4f45-9708-019B960494DF}">
-                <a14:hiddenLine xmlns:a14="http://schemas.microsoft.com/office/drawing/2010/main" xmlns="" w="9525">
+                <a14:hiddenLine xmlns="" xmlns:a14="http://schemas.microsoft.com/office/drawing/2010/main" w="9525">
                   <a:solidFill>
                     <a:srgbClr val="000000"/>
                   </a:solidFill>
@@ -1470,7 +1473,7 @@
             </a:ln>
             <a:extLst>
               <a:ext uri="{91240B29-F687-4f45-9708-019B960494DF}">
-                <a14:hiddenLine xmlns:a14="http://schemas.microsoft.com/office/drawing/2010/main" xmlns="" w="9525">
+                <a14:hiddenLine xmlns="" xmlns:a14="http://schemas.microsoft.com/office/drawing/2010/main" w="9525">
                   <a:solidFill>
                     <a:srgbClr val="000000"/>
                   </a:solidFill>
@@ -1532,7 +1535,7 @@
             </a:ln>
             <a:extLst>
               <a:ext uri="{91240B29-F687-4f45-9708-019B960494DF}">
-                <a14:hiddenLine xmlns:a14="http://schemas.microsoft.com/office/drawing/2010/main" xmlns="" w="9525">
+                <a14:hiddenLine xmlns="" xmlns:a14="http://schemas.microsoft.com/office/drawing/2010/main" w="9525">
                   <a:solidFill>
                     <a:srgbClr val="000000"/>
                   </a:solidFill>
@@ -1622,7 +1625,7 @@
             </a:ln>
             <a:extLst>
               <a:ext uri="{91240B29-F687-4f45-9708-019B960494DF}">
-                <a14:hiddenLine xmlns:a14="http://schemas.microsoft.com/office/drawing/2010/main" xmlns="" w="9525">
+                <a14:hiddenLine xmlns="" xmlns:a14="http://schemas.microsoft.com/office/drawing/2010/main" w="9525">
                   <a:solidFill>
                     <a:srgbClr val="000000"/>
                   </a:solidFill>
@@ -1712,7 +1715,7 @@
             </a:ln>
             <a:extLst>
               <a:ext uri="{91240B29-F687-4f45-9708-019B960494DF}">
-                <a14:hiddenLine xmlns:a14="http://schemas.microsoft.com/office/drawing/2010/main" xmlns="" w="9525">
+                <a14:hiddenLine xmlns="" xmlns:a14="http://schemas.microsoft.com/office/drawing/2010/main" w="9525">
                   <a:solidFill>
                     <a:srgbClr val="000000"/>
                   </a:solidFill>
@@ -1768,7 +1771,7 @@
             </a:ln>
             <a:extLst>
               <a:ext uri="{91240B29-F687-4f45-9708-019B960494DF}">
-                <a14:hiddenLine xmlns:a14="http://schemas.microsoft.com/office/drawing/2010/main" xmlns="" w="9525">
+                <a14:hiddenLine xmlns="" xmlns:a14="http://schemas.microsoft.com/office/drawing/2010/main" w="9525">
                   <a:solidFill>
                     <a:srgbClr val="000000"/>
                   </a:solidFill>
@@ -1858,7 +1861,7 @@
             </a:ln>
             <a:extLst>
               <a:ext uri="{91240B29-F687-4f45-9708-019B960494DF}">
-                <a14:hiddenLine xmlns:a14="http://schemas.microsoft.com/office/drawing/2010/main" xmlns="" w="9525">
+                <a14:hiddenLine xmlns="" xmlns:a14="http://schemas.microsoft.com/office/drawing/2010/main" w="9525">
                   <a:solidFill>
                     <a:srgbClr val="000000"/>
                   </a:solidFill>
@@ -1914,7 +1917,7 @@
             </a:ln>
             <a:extLst>
               <a:ext uri="{91240B29-F687-4f45-9708-019B960494DF}">
-                <a14:hiddenLine xmlns:a14="http://schemas.microsoft.com/office/drawing/2010/main" xmlns="" w="9525">
+                <a14:hiddenLine xmlns="" xmlns:a14="http://schemas.microsoft.com/office/drawing/2010/main" w="9525">
                   <a:solidFill>
                     <a:srgbClr val="000000"/>
                   </a:solidFill>
@@ -2004,7 +2007,7 @@
             </a:ln>
             <a:extLst>
               <a:ext uri="{91240B29-F687-4f45-9708-019B960494DF}">
-                <a14:hiddenLine xmlns:a14="http://schemas.microsoft.com/office/drawing/2010/main" xmlns="" w="9525">
+                <a14:hiddenLine xmlns="" xmlns:a14="http://schemas.microsoft.com/office/drawing/2010/main" w="9525">
                   <a:solidFill>
                     <a:srgbClr val="000000"/>
                   </a:solidFill>
@@ -2072,7 +2075,7 @@
             </a:ln>
             <a:extLst>
               <a:ext uri="{91240B29-F687-4f45-9708-019B960494DF}">
-                <a14:hiddenLine xmlns:a14="http://schemas.microsoft.com/office/drawing/2010/main" xmlns="" w="9525">
+                <a14:hiddenLine xmlns="" xmlns:a14="http://schemas.microsoft.com/office/drawing/2010/main" w="9525">
                   <a:solidFill>
                     <a:srgbClr val="000000"/>
                   </a:solidFill>
@@ -2162,7 +2165,7 @@
             </a:ln>
             <a:extLst>
               <a:ext uri="{91240B29-F687-4f45-9708-019B960494DF}">
-                <a14:hiddenLine xmlns:a14="http://schemas.microsoft.com/office/drawing/2010/main" xmlns="" w="9525">
+                <a14:hiddenLine xmlns="" xmlns:a14="http://schemas.microsoft.com/office/drawing/2010/main" w="9525">
                   <a:solidFill>
                     <a:srgbClr val="000000"/>
                   </a:solidFill>
@@ -2230,7 +2233,7 @@
             </a:ln>
             <a:extLst>
               <a:ext uri="{91240B29-F687-4f45-9708-019B960494DF}">
-                <a14:hiddenLine xmlns:a14="http://schemas.microsoft.com/office/drawing/2010/main" xmlns="" w="9525">
+                <a14:hiddenLine xmlns="" xmlns:a14="http://schemas.microsoft.com/office/drawing/2010/main" w="9525">
                   <a:solidFill>
                     <a:srgbClr val="000000"/>
                   </a:solidFill>
@@ -2320,7 +2323,7 @@
             </a:ln>
             <a:extLst>
               <a:ext uri="{91240B29-F687-4f45-9708-019B960494DF}">
-                <a14:hiddenLine xmlns:a14="http://schemas.microsoft.com/office/drawing/2010/main" xmlns="" w="9525">
+                <a14:hiddenLine xmlns="" xmlns:a14="http://schemas.microsoft.com/office/drawing/2010/main" w="9525">
                   <a:solidFill>
                     <a:srgbClr val="000000"/>
                   </a:solidFill>
@@ -2354,7 +2357,7 @@
             </a:ln>
             <a:extLst>
               <a:ext uri="{91240B29-F687-4f45-9708-019B960494DF}">
-                <a14:hiddenLine xmlns:a14="http://schemas.microsoft.com/office/drawing/2010/main" xmlns="" w="9525">
+                <a14:hiddenLine xmlns="" xmlns:a14="http://schemas.microsoft.com/office/drawing/2010/main" w="9525">
                   <a:solidFill>
                     <a:srgbClr val="000000"/>
                   </a:solidFill>
@@ -2444,7 +2447,7 @@
             </a:ln>
             <a:extLst>
               <a:ext uri="{91240B29-F687-4f45-9708-019B960494DF}">
-                <a14:hiddenLine xmlns:a14="http://schemas.microsoft.com/office/drawing/2010/main" xmlns="" w="9525">
+                <a14:hiddenLine xmlns="" xmlns:a14="http://schemas.microsoft.com/office/drawing/2010/main" w="9525">
                   <a:solidFill>
                     <a:srgbClr val="000000"/>
                   </a:solidFill>
@@ -2506,7 +2509,7 @@
             </a:ln>
             <a:extLst>
               <a:ext uri="{91240B29-F687-4f45-9708-019B960494DF}">
-                <a14:hiddenLine xmlns:a14="http://schemas.microsoft.com/office/drawing/2010/main" xmlns="" w="9525">
+                <a14:hiddenLine xmlns="" xmlns:a14="http://schemas.microsoft.com/office/drawing/2010/main" w="9525">
                   <a:solidFill>
                     <a:srgbClr val="000000"/>
                   </a:solidFill>
@@ -2568,7 +2571,7 @@
             </a:ln>
             <a:extLst>
               <a:ext uri="{91240B29-F687-4f45-9708-019B960494DF}">
-                <a14:hiddenLine xmlns:a14="http://schemas.microsoft.com/office/drawing/2010/main" xmlns="" w="9525">
+                <a14:hiddenLine xmlns="" xmlns:a14="http://schemas.microsoft.com/office/drawing/2010/main" w="9525">
                   <a:solidFill>
                     <a:srgbClr val="000000"/>
                   </a:solidFill>
@@ -2658,7 +2661,7 @@
             </a:ln>
             <a:extLst>
               <a:ext uri="{91240B29-F687-4f45-9708-019B960494DF}">
-                <a14:hiddenLine xmlns:a14="http://schemas.microsoft.com/office/drawing/2010/main" xmlns="" w="9525">
+                <a14:hiddenLine xmlns="" xmlns:a14="http://schemas.microsoft.com/office/drawing/2010/main" w="9525">
                   <a:solidFill>
                     <a:srgbClr val="000000"/>
                   </a:solidFill>
@@ -2726,7 +2729,7 @@
             </a:ln>
             <a:extLst>
               <a:ext uri="{91240B29-F687-4f45-9708-019B960494DF}">
-                <a14:hiddenLine xmlns:a14="http://schemas.microsoft.com/office/drawing/2010/main" xmlns="" w="9525">
+                <a14:hiddenLine xmlns="" xmlns:a14="http://schemas.microsoft.com/office/drawing/2010/main" w="9525">
                   <a:solidFill>
                     <a:srgbClr val="000000"/>
                   </a:solidFill>
@@ -2788,7 +2791,7 @@
             </a:ln>
             <a:extLst>
               <a:ext uri="{91240B29-F687-4f45-9708-019B960494DF}">
-                <a14:hiddenLine xmlns:a14="http://schemas.microsoft.com/office/drawing/2010/main" xmlns="" w="9525">
+                <a14:hiddenLine xmlns="" xmlns:a14="http://schemas.microsoft.com/office/drawing/2010/main" w="9525">
                   <a:solidFill>
                     <a:srgbClr val="000000"/>
                   </a:solidFill>
@@ -2878,7 +2881,7 @@
             </a:ln>
             <a:extLst>
               <a:ext uri="{91240B29-F687-4f45-9708-019B960494DF}">
-                <a14:hiddenLine xmlns:a14="http://schemas.microsoft.com/office/drawing/2010/main" xmlns="" w="9525">
+                <a14:hiddenLine xmlns="" xmlns:a14="http://schemas.microsoft.com/office/drawing/2010/main" w="9525">
                   <a:solidFill>
                     <a:srgbClr val="000000"/>
                   </a:solidFill>
@@ -2940,7 +2943,7 @@
             </a:ln>
             <a:extLst>
               <a:ext uri="{91240B29-F687-4f45-9708-019B960494DF}">
-                <a14:hiddenLine xmlns:a14="http://schemas.microsoft.com/office/drawing/2010/main" xmlns="" w="9525">
+                <a14:hiddenLine xmlns="" xmlns:a14="http://schemas.microsoft.com/office/drawing/2010/main" w="9525">
                   <a:solidFill>
                     <a:srgbClr val="000000"/>
                   </a:solidFill>
@@ -3030,7 +3033,7 @@
             </a:ln>
             <a:extLst>
               <a:ext uri="{91240B29-F687-4f45-9708-019B960494DF}">
-                <a14:hiddenLine xmlns:a14="http://schemas.microsoft.com/office/drawing/2010/main" xmlns="" w="9525">
+                <a14:hiddenLine xmlns="" xmlns:a14="http://schemas.microsoft.com/office/drawing/2010/main" w="9525">
                   <a:solidFill>
                     <a:srgbClr val="000000"/>
                   </a:solidFill>
@@ -3092,7 +3095,7 @@
             </a:ln>
             <a:extLst>
               <a:ext uri="{91240B29-F687-4f45-9708-019B960494DF}">
-                <a14:hiddenLine xmlns:a14="http://schemas.microsoft.com/office/drawing/2010/main" xmlns="" w="9525">
+                <a14:hiddenLine xmlns="" xmlns:a14="http://schemas.microsoft.com/office/drawing/2010/main" w="9525">
                   <a:solidFill>
                     <a:srgbClr val="000000"/>
                   </a:solidFill>
@@ -3182,7 +3185,7 @@
             </a:ln>
             <a:extLst>
               <a:ext uri="{91240B29-F687-4f45-9708-019B960494DF}">
-                <a14:hiddenLine xmlns:a14="http://schemas.microsoft.com/office/drawing/2010/main" xmlns="" w="9525">
+                <a14:hiddenLine xmlns="" xmlns:a14="http://schemas.microsoft.com/office/drawing/2010/main" w="9525">
                   <a:solidFill>
                     <a:srgbClr val="000000"/>
                   </a:solidFill>
@@ -3216,7 +3219,7 @@
             </a:ln>
             <a:extLst>
               <a:ext uri="{91240B29-F687-4f45-9708-019B960494DF}">
-                <a14:hiddenLine xmlns:a14="http://schemas.microsoft.com/office/drawing/2010/main" xmlns="" w="9525">
+                <a14:hiddenLine xmlns="" xmlns:a14="http://schemas.microsoft.com/office/drawing/2010/main" w="9525">
                   <a:solidFill>
                     <a:srgbClr val="000000"/>
                   </a:solidFill>
@@ -3281,7 +3284,7 @@
             </a:ln>
             <a:extLst>
               <a:ext uri="{91240B29-F687-4f45-9708-019B960494DF}">
-                <a14:hiddenLine xmlns:a14="http://schemas.microsoft.com/office/drawing/2010/main" xmlns="" w="9525">
+                <a14:hiddenLine xmlns="" xmlns:a14="http://schemas.microsoft.com/office/drawing/2010/main" w="9525">
                   <a:solidFill>
                     <a:srgbClr val="000000"/>
                   </a:solidFill>
@@ -3371,7 +3374,7 @@
             </a:ln>
             <a:extLst>
               <a:ext uri="{91240B29-F687-4f45-9708-019B960494DF}">
-                <a14:hiddenLine xmlns:a14="http://schemas.microsoft.com/office/drawing/2010/main" xmlns="" w="9525">
+                <a14:hiddenLine xmlns="" xmlns:a14="http://schemas.microsoft.com/office/drawing/2010/main" w="9525">
                   <a:solidFill>
                     <a:srgbClr val="000000"/>
                   </a:solidFill>
@@ -3433,7 +3436,7 @@
             </a:ln>
             <a:extLst>
               <a:ext uri="{91240B29-F687-4f45-9708-019B960494DF}">
-                <a14:hiddenLine xmlns:a14="http://schemas.microsoft.com/office/drawing/2010/main" xmlns="" w="9525">
+                <a14:hiddenLine xmlns="" xmlns:a14="http://schemas.microsoft.com/office/drawing/2010/main" w="9525">
                   <a:solidFill>
                     <a:srgbClr val="000000"/>
                   </a:solidFill>
@@ -3523,7 +3526,7 @@
             </a:ln>
             <a:extLst>
               <a:ext uri="{91240B29-F687-4f45-9708-019B960494DF}">
-                <a14:hiddenLine xmlns:a14="http://schemas.microsoft.com/office/drawing/2010/main" xmlns="" w="9525">
+                <a14:hiddenLine xmlns="" xmlns:a14="http://schemas.microsoft.com/office/drawing/2010/main" w="9525">
                   <a:solidFill>
                     <a:srgbClr val="000000"/>
                   </a:solidFill>
@@ -3613,7 +3616,7 @@
             </a:ln>
             <a:extLst>
               <a:ext uri="{91240B29-F687-4f45-9708-019B960494DF}">
-                <a14:hiddenLine xmlns:a14="http://schemas.microsoft.com/office/drawing/2010/main" xmlns="" w="9525">
+                <a14:hiddenLine xmlns="" xmlns:a14="http://schemas.microsoft.com/office/drawing/2010/main" w="9525">
                   <a:solidFill>
                     <a:srgbClr val="000000"/>
                   </a:solidFill>
@@ -3678,7 +3681,7 @@
             </a:ln>
             <a:extLst>
               <a:ext uri="{91240B29-F687-4f45-9708-019B960494DF}">
-                <a14:hiddenLine xmlns:a14="http://schemas.microsoft.com/office/drawing/2010/main" xmlns="" w="9525">
+                <a14:hiddenLine xmlns="" xmlns:a14="http://schemas.microsoft.com/office/drawing/2010/main" w="9525">
                   <a:solidFill>
                     <a:srgbClr val="000000"/>
                   </a:solidFill>
@@ -3740,7 +3743,7 @@
             </a:ln>
             <a:extLst>
               <a:ext uri="{91240B29-F687-4f45-9708-019B960494DF}">
-                <a14:hiddenLine xmlns:a14="http://schemas.microsoft.com/office/drawing/2010/main" xmlns="" w="9525">
+                <a14:hiddenLine xmlns="" xmlns:a14="http://schemas.microsoft.com/office/drawing/2010/main" w="9525">
                   <a:solidFill>
                     <a:srgbClr val="000000"/>
                   </a:solidFill>
@@ -3830,7 +3833,7 @@
             </a:ln>
             <a:extLst>
               <a:ext uri="{91240B29-F687-4f45-9708-019B960494DF}">
-                <a14:hiddenLine xmlns:a14="http://schemas.microsoft.com/office/drawing/2010/main" xmlns="" w="9525">
+                <a14:hiddenLine xmlns="" xmlns:a14="http://schemas.microsoft.com/office/drawing/2010/main" w="9525">
                   <a:solidFill>
                     <a:srgbClr val="000000"/>
                   </a:solidFill>
@@ -3920,7 +3923,7 @@
             </a:ln>
             <a:extLst>
               <a:ext uri="{91240B29-F687-4f45-9708-019B960494DF}">
-                <a14:hiddenLine xmlns:a14="http://schemas.microsoft.com/office/drawing/2010/main" xmlns="" w="9525">
+                <a14:hiddenLine xmlns="" xmlns:a14="http://schemas.microsoft.com/office/drawing/2010/main" w="9525">
                   <a:solidFill>
                     <a:srgbClr val="000000"/>
                   </a:solidFill>
@@ -3982,7 +3985,7 @@
             </a:ln>
             <a:extLst>
               <a:ext uri="{91240B29-F687-4f45-9708-019B960494DF}">
-                <a14:hiddenLine xmlns:a14="http://schemas.microsoft.com/office/drawing/2010/main" xmlns="" w="9525">
+                <a14:hiddenLine xmlns="" xmlns:a14="http://schemas.microsoft.com/office/drawing/2010/main" w="9525">
                   <a:solidFill>
                     <a:srgbClr val="000000"/>
                   </a:solidFill>
@@ -4102,7 +4105,7 @@
             </a:ln>
             <a:extLst>
               <a:ext uri="{91240B29-F687-4f45-9708-019B960494DF}">
-                <a14:hiddenLine xmlns:a14="http://schemas.microsoft.com/office/drawing/2010/main" xmlns="" w="9525">
+                <a14:hiddenLine xmlns="" xmlns:a14="http://schemas.microsoft.com/office/drawing/2010/main" w="9525">
                   <a:solidFill>
                     <a:srgbClr val="000000"/>
                   </a:solidFill>
@@ -4170,7 +4173,7 @@
             </a:ln>
             <a:extLst>
               <a:ext uri="{91240B29-F687-4f45-9708-019B960494DF}">
-                <a14:hiddenLine xmlns:a14="http://schemas.microsoft.com/office/drawing/2010/main" xmlns="" w="9525">
+                <a14:hiddenLine xmlns="" xmlns:a14="http://schemas.microsoft.com/office/drawing/2010/main" w="9525">
                   <a:solidFill>
                     <a:srgbClr val="000000"/>
                   </a:solidFill>
@@ -4260,7 +4263,7 @@
             </a:ln>
             <a:extLst>
               <a:ext uri="{91240B29-F687-4f45-9708-019B960494DF}">
-                <a14:hiddenLine xmlns:a14="http://schemas.microsoft.com/office/drawing/2010/main" xmlns="" w="9525">
+                <a14:hiddenLine xmlns="" xmlns:a14="http://schemas.microsoft.com/office/drawing/2010/main" w="9525">
                   <a:solidFill>
                     <a:srgbClr val="000000"/>
                   </a:solidFill>
@@ -4300,7 +4303,7 @@
           </a:lstStyle>
           <a:p>
             <a:r>
-              <a:rPr lang="zh-CN" altLang="en-US" smtClean="0"/>
+              <a:rPr lang="zh-CN" altLang="en-US"/>
               <a:t>单击此处编辑母版标题样式</a:t>
             </a:r>
             <a:endParaRPr lang="en-US" dirty="0"/>
@@ -4371,7 +4374,7 @@
           </a:lstStyle>
           <a:p>
             <a:r>
-              <a:rPr lang="zh-CN" altLang="en-US" smtClean="0"/>
+              <a:rPr lang="zh-CN" altLang="en-US"/>
               <a:t>单击此处编辑母版副标题样式</a:t>
             </a:r>
             <a:endParaRPr lang="en-US" dirty="0"/>
@@ -4400,7 +4403,7 @@
           <a:p>
             <a:fld id="{48A87A34-81AB-432B-8DAE-1953F412C126}" type="datetimeFigureOut">
               <a:rPr lang="en-US" dirty="0"/>
-              <a:t>12/27/2016</a:t>
+              <a:t>12/28/2016</a:t>
             </a:fld>
             <a:endParaRPr lang="en-US" dirty="0"/>
           </a:p>
@@ -4510,7 +4513,7 @@
           </a:lstStyle>
           <a:p>
             <a:r>
-              <a:rPr lang="zh-CN" altLang="en-US" smtClean="0"/>
+              <a:rPr lang="zh-CN" altLang="en-US"/>
               <a:t>单击此处编辑母版标题样式</a:t>
             </a:r>
             <a:endParaRPr lang="en-US" dirty="0"/>
@@ -4571,7 +4574,7 @@
               <a:buNone/>
             </a:pPr>
             <a:r>
-              <a:rPr lang="zh-CN" altLang="en-US" smtClean="0"/>
+              <a:rPr lang="zh-CN" altLang="en-US"/>
               <a:t>单击图标添加图片</a:t>
             </a:r>
             <a:endParaRPr lang="en-US" dirty="0"/>
@@ -4639,7 +4642,7 @@
           <a:p>
             <a:pPr lvl="0"/>
             <a:r>
-              <a:rPr lang="zh-CN" altLang="en-US" smtClean="0"/>
+              <a:rPr lang="zh-CN" altLang="en-US"/>
               <a:t>单击此处编辑母版文本样式</a:t>
             </a:r>
           </a:p>
@@ -4662,7 +4665,7 @@
           <a:p>
             <a:fld id="{48A87A34-81AB-432B-8DAE-1953F412C126}" type="datetimeFigureOut">
               <a:rPr lang="en-US" dirty="0"/>
-              <a:t>12/27/2016</a:t>
+              <a:t>12/28/2016</a:t>
             </a:fld>
             <a:endParaRPr lang="en-US" dirty="0"/>
           </a:p>
@@ -4762,7 +4765,7 @@
           </a:lstStyle>
           <a:p>
             <a:r>
-              <a:rPr lang="zh-CN" altLang="en-US" smtClean="0"/>
+              <a:rPr lang="zh-CN" altLang="en-US"/>
               <a:t>单击此处编辑母版标题样式</a:t>
             </a:r>
             <a:endParaRPr lang="en-US" dirty="0"/>
@@ -4830,7 +4833,7 @@
           <a:p>
             <a:pPr lvl="0"/>
             <a:r>
-              <a:rPr lang="zh-CN" altLang="en-US" smtClean="0"/>
+              <a:rPr lang="zh-CN" altLang="en-US"/>
               <a:t>单击此处编辑母版文本样式</a:t>
             </a:r>
           </a:p>
@@ -4853,7 +4856,7 @@
           <a:p>
             <a:fld id="{48A87A34-81AB-432B-8DAE-1953F412C126}" type="datetimeFigureOut">
               <a:rPr lang="en-US" dirty="0"/>
-              <a:t>12/27/2016</a:t>
+              <a:t>12/28/2016</a:t>
             </a:fld>
             <a:endParaRPr lang="en-US" dirty="0"/>
           </a:p>
@@ -4953,7 +4956,7 @@
           </a:lstStyle>
           <a:p>
             <a:r>
-              <a:rPr lang="zh-CN" altLang="en-US" smtClean="0"/>
+              <a:rPr lang="zh-CN" altLang="en-US"/>
               <a:t>单击此处编辑母版标题样式</a:t>
             </a:r>
             <a:endParaRPr lang="en-US" dirty="0"/>
@@ -5021,7 +5024,7 @@
           <a:p>
             <a:pPr lvl="0"/>
             <a:r>
-              <a:rPr lang="zh-CN" altLang="en-US" smtClean="0"/>
+              <a:rPr lang="zh-CN" altLang="en-US"/>
               <a:t>单击此处编辑母版文本样式</a:t>
             </a:r>
           </a:p>
@@ -5088,7 +5091,7 @@
           <a:p>
             <a:pPr lvl="0"/>
             <a:r>
-              <a:rPr lang="zh-CN" altLang="en-US" smtClean="0"/>
+              <a:rPr lang="zh-CN" altLang="en-US"/>
               <a:t>单击此处编辑母版文本样式</a:t>
             </a:r>
           </a:p>
@@ -5111,7 +5114,7 @@
           <a:p>
             <a:fld id="{48A87A34-81AB-432B-8DAE-1953F412C126}" type="datetimeFigureOut">
               <a:rPr lang="en-US" dirty="0"/>
-              <a:t>12/27/2016</a:t>
+              <a:t>12/28/2016</a:t>
             </a:fld>
             <a:endParaRPr lang="en-US" dirty="0"/>
           </a:p>
@@ -5449,7 +5452,7 @@
           </a:lstStyle>
           <a:p>
             <a:r>
-              <a:rPr lang="zh-CN" altLang="en-US" smtClean="0"/>
+              <a:rPr lang="zh-CN" altLang="en-US"/>
               <a:t>单击此处编辑母版标题样式</a:t>
             </a:r>
             <a:endParaRPr lang="en-US" dirty="0"/>
@@ -5517,7 +5520,7 @@
           <a:p>
             <a:pPr lvl="0"/>
             <a:r>
-              <a:rPr lang="zh-CN" altLang="en-US" smtClean="0"/>
+              <a:rPr lang="zh-CN" altLang="en-US"/>
               <a:t>单击此处编辑母版文本样式</a:t>
             </a:r>
           </a:p>
@@ -5540,7 +5543,7 @@
           <a:p>
             <a:fld id="{48A87A34-81AB-432B-8DAE-1953F412C126}" type="datetimeFigureOut">
               <a:rPr lang="en-US" dirty="0"/>
-              <a:t>12/27/2016</a:t>
+              <a:t>12/28/2016</a:t>
             </a:fld>
             <a:endParaRPr lang="en-US" dirty="0"/>
           </a:p>
@@ -5634,7 +5637,7 @@
           <a:lstStyle/>
           <a:p>
             <a:r>
-              <a:rPr lang="zh-CN" altLang="en-US" smtClean="0"/>
+              <a:rPr lang="zh-CN" altLang="en-US"/>
               <a:t>单击此处编辑母版标题样式</a:t>
             </a:r>
             <a:endParaRPr lang="en-US" dirty="0"/>
@@ -5709,7 +5712,7 @@
           <a:p>
             <a:pPr lvl="0"/>
             <a:r>
-              <a:rPr lang="zh-CN" altLang="en-US" smtClean="0"/>
+              <a:rPr lang="zh-CN" altLang="en-US"/>
               <a:t>单击此处编辑母版文本样式</a:t>
             </a:r>
           </a:p>
@@ -5776,7 +5779,7 @@
           <a:p>
             <a:pPr lvl="0"/>
             <a:r>
-              <a:rPr lang="zh-CN" altLang="en-US" smtClean="0"/>
+              <a:rPr lang="zh-CN" altLang="en-US"/>
               <a:t>单击此处编辑母版文本样式</a:t>
             </a:r>
           </a:p>
@@ -5850,7 +5853,7 @@
           <a:p>
             <a:pPr lvl="0"/>
             <a:r>
-              <a:rPr lang="zh-CN" altLang="en-US" smtClean="0"/>
+              <a:rPr lang="zh-CN" altLang="en-US"/>
               <a:t>单击此处编辑母版文本样式</a:t>
             </a:r>
           </a:p>
@@ -5917,7 +5920,7 @@
           <a:p>
             <a:pPr lvl="0"/>
             <a:r>
-              <a:rPr lang="zh-CN" altLang="en-US" smtClean="0"/>
+              <a:rPr lang="zh-CN" altLang="en-US"/>
               <a:t>单击此处编辑母版文本样式</a:t>
             </a:r>
           </a:p>
@@ -5991,7 +5994,7 @@
           <a:p>
             <a:pPr lvl="0"/>
             <a:r>
-              <a:rPr lang="zh-CN" altLang="en-US" smtClean="0"/>
+              <a:rPr lang="zh-CN" altLang="en-US"/>
               <a:t>单击此处编辑母版文本样式</a:t>
             </a:r>
           </a:p>
@@ -6058,7 +6061,7 @@
           <a:p>
             <a:pPr lvl="0"/>
             <a:r>
-              <a:rPr lang="zh-CN" altLang="en-US" smtClean="0"/>
+              <a:rPr lang="zh-CN" altLang="en-US"/>
               <a:t>单击此处编辑母版文本样式</a:t>
             </a:r>
           </a:p>
@@ -6081,7 +6084,7 @@
           <a:p>
             <a:fld id="{48A87A34-81AB-432B-8DAE-1953F412C126}" type="datetimeFigureOut">
               <a:rPr lang="en-US" dirty="0"/>
-              <a:t>12/27/2016</a:t>
+              <a:t>12/28/2016</a:t>
             </a:fld>
             <a:endParaRPr lang="en-US" dirty="0"/>
           </a:p>
@@ -6175,7 +6178,7 @@
           <a:lstStyle/>
           <a:p>
             <a:r>
-              <a:rPr lang="zh-CN" altLang="en-US" smtClean="0"/>
+              <a:rPr lang="zh-CN" altLang="en-US"/>
               <a:t>单击此处编辑母版标题样式</a:t>
             </a:r>
             <a:endParaRPr lang="en-US" dirty="0"/>
@@ -6250,7 +6253,7 @@
           <a:p>
             <a:pPr lvl="0"/>
             <a:r>
-              <a:rPr lang="zh-CN" altLang="en-US" smtClean="0"/>
+              <a:rPr lang="zh-CN" altLang="en-US"/>
               <a:t>单击此处编辑母版文本样式</a:t>
             </a:r>
           </a:p>
@@ -6307,7 +6310,7 @@
               <a:buNone/>
             </a:pPr>
             <a:r>
-              <a:rPr lang="zh-CN" altLang="en-US" smtClean="0"/>
+              <a:rPr lang="zh-CN" altLang="en-US"/>
               <a:t>单击图标添加图片</a:t>
             </a:r>
             <a:endParaRPr lang="en-US" dirty="0"/>
@@ -6375,7 +6378,7 @@
           <a:p>
             <a:pPr lvl="0"/>
             <a:r>
-              <a:rPr lang="zh-CN" altLang="en-US" smtClean="0"/>
+              <a:rPr lang="zh-CN" altLang="en-US"/>
               <a:t>单击此处编辑母版文本样式</a:t>
             </a:r>
           </a:p>
@@ -6449,7 +6452,7 @@
           <a:p>
             <a:pPr lvl="0"/>
             <a:r>
-              <a:rPr lang="zh-CN" altLang="en-US" smtClean="0"/>
+              <a:rPr lang="zh-CN" altLang="en-US"/>
               <a:t>单击此处编辑母版文本样式</a:t>
             </a:r>
           </a:p>
@@ -6506,7 +6509,7 @@
               <a:buNone/>
             </a:pPr>
             <a:r>
-              <a:rPr lang="zh-CN" altLang="en-US" smtClean="0"/>
+              <a:rPr lang="zh-CN" altLang="en-US"/>
               <a:t>单击图标添加图片</a:t>
             </a:r>
             <a:endParaRPr lang="en-US" dirty="0"/>
@@ -6574,7 +6577,7 @@
           <a:p>
             <a:pPr lvl="0"/>
             <a:r>
-              <a:rPr lang="zh-CN" altLang="en-US" smtClean="0"/>
+              <a:rPr lang="zh-CN" altLang="en-US"/>
               <a:t>单击此处编辑母版文本样式</a:t>
             </a:r>
           </a:p>
@@ -6648,7 +6651,7 @@
           <a:p>
             <a:pPr lvl="0"/>
             <a:r>
-              <a:rPr lang="zh-CN" altLang="en-US" smtClean="0"/>
+              <a:rPr lang="zh-CN" altLang="en-US"/>
               <a:t>单击此处编辑母版文本样式</a:t>
             </a:r>
           </a:p>
@@ -6705,7 +6708,7 @@
               <a:buNone/>
             </a:pPr>
             <a:r>
-              <a:rPr lang="zh-CN" altLang="en-US" smtClean="0"/>
+              <a:rPr lang="zh-CN" altLang="en-US"/>
               <a:t>单击图标添加图片</a:t>
             </a:r>
             <a:endParaRPr lang="en-US" dirty="0"/>
@@ -6773,7 +6776,7 @@
           <a:p>
             <a:pPr lvl="0"/>
             <a:r>
-              <a:rPr lang="zh-CN" altLang="en-US" smtClean="0"/>
+              <a:rPr lang="zh-CN" altLang="en-US"/>
               <a:t>单击此处编辑母版文本样式</a:t>
             </a:r>
           </a:p>
@@ -6796,7 +6799,7 @@
           <a:p>
             <a:fld id="{48A87A34-81AB-432B-8DAE-1953F412C126}" type="datetimeFigureOut">
               <a:rPr lang="en-US" dirty="0"/>
-              <a:t>12/27/2016</a:t>
+              <a:t>12/28/2016</a:t>
             </a:fld>
             <a:endParaRPr lang="en-US" dirty="0"/>
           </a:p>
@@ -6885,7 +6888,7 @@
           <a:lstStyle/>
           <a:p>
             <a:r>
-              <a:rPr lang="zh-CN" altLang="en-US" smtClean="0"/>
+              <a:rPr lang="zh-CN" altLang="en-US"/>
               <a:t>单击此处编辑母版标题样式</a:t>
             </a:r>
             <a:endParaRPr lang="en-US" dirty="0"/>
@@ -6909,35 +6912,35 @@
           <a:p>
             <a:pPr lvl="0"/>
             <a:r>
-              <a:rPr lang="zh-CN" altLang="en-US" smtClean="0"/>
+              <a:rPr lang="zh-CN" altLang="en-US"/>
               <a:t>单击此处编辑母版文本样式</a:t>
             </a:r>
           </a:p>
           <a:p>
             <a:pPr lvl="1"/>
             <a:r>
-              <a:rPr lang="zh-CN" altLang="en-US" smtClean="0"/>
+              <a:rPr lang="zh-CN" altLang="en-US"/>
               <a:t>第二级</a:t>
             </a:r>
           </a:p>
           <a:p>
             <a:pPr lvl="2"/>
             <a:r>
-              <a:rPr lang="zh-CN" altLang="en-US" smtClean="0"/>
+              <a:rPr lang="zh-CN" altLang="en-US"/>
               <a:t>第三级</a:t>
             </a:r>
           </a:p>
           <a:p>
             <a:pPr lvl="3"/>
             <a:r>
-              <a:rPr lang="zh-CN" altLang="en-US" smtClean="0"/>
+              <a:rPr lang="zh-CN" altLang="en-US"/>
               <a:t>第四级</a:t>
             </a:r>
           </a:p>
           <a:p>
             <a:pPr lvl="4"/>
             <a:r>
-              <a:rPr lang="zh-CN" altLang="en-US" smtClean="0"/>
+              <a:rPr lang="zh-CN" altLang="en-US"/>
               <a:t>第五级</a:t>
             </a:r>
             <a:endParaRPr lang="en-US" dirty="0"/>
@@ -6961,7 +6964,7 @@
           <a:p>
             <a:fld id="{48A87A34-81AB-432B-8DAE-1953F412C126}" type="datetimeFigureOut">
               <a:rPr lang="en-US" dirty="0"/>
-              <a:t>12/27/2016</a:t>
+              <a:t>12/28/2016</a:t>
             </a:fld>
             <a:endParaRPr lang="en-US" dirty="0"/>
           </a:p>
@@ -7055,7 +7058,7 @@
           <a:lstStyle/>
           <a:p>
             <a:r>
-              <a:rPr lang="zh-CN" altLang="en-US" smtClean="0"/>
+              <a:rPr lang="zh-CN" altLang="en-US"/>
               <a:t>单击此处编辑母版标题样式</a:t>
             </a:r>
             <a:endParaRPr lang="en-US" dirty="0"/>
@@ -7084,35 +7087,35 @@
           <a:p>
             <a:pPr lvl="0"/>
             <a:r>
-              <a:rPr lang="zh-CN" altLang="en-US" smtClean="0"/>
+              <a:rPr lang="zh-CN" altLang="en-US"/>
               <a:t>单击此处编辑母版文本样式</a:t>
             </a:r>
           </a:p>
           <a:p>
             <a:pPr lvl="1"/>
             <a:r>
-              <a:rPr lang="zh-CN" altLang="en-US" smtClean="0"/>
+              <a:rPr lang="zh-CN" altLang="en-US"/>
               <a:t>第二级</a:t>
             </a:r>
           </a:p>
           <a:p>
             <a:pPr lvl="2"/>
             <a:r>
-              <a:rPr lang="zh-CN" altLang="en-US" smtClean="0"/>
+              <a:rPr lang="zh-CN" altLang="en-US"/>
               <a:t>第三级</a:t>
             </a:r>
           </a:p>
           <a:p>
             <a:pPr lvl="3"/>
             <a:r>
-              <a:rPr lang="zh-CN" altLang="en-US" smtClean="0"/>
+              <a:rPr lang="zh-CN" altLang="en-US"/>
               <a:t>第四级</a:t>
             </a:r>
           </a:p>
           <a:p>
             <a:pPr lvl="4"/>
             <a:r>
-              <a:rPr lang="zh-CN" altLang="en-US" smtClean="0"/>
+              <a:rPr lang="zh-CN" altLang="en-US"/>
               <a:t>第五级</a:t>
             </a:r>
             <a:endParaRPr lang="en-US" dirty="0"/>
@@ -7136,7 +7139,7 @@
           <a:p>
             <a:fld id="{48A87A34-81AB-432B-8DAE-1953F412C126}" type="datetimeFigureOut">
               <a:rPr lang="en-US" dirty="0"/>
-              <a:t>12/27/2016</a:t>
+              <a:t>12/28/2016</a:t>
             </a:fld>
             <a:endParaRPr lang="en-US" dirty="0"/>
           </a:p>
@@ -7225,7 +7228,7 @@
           <a:lstStyle/>
           <a:p>
             <a:r>
-              <a:rPr lang="zh-CN" altLang="en-US" smtClean="0"/>
+              <a:rPr lang="zh-CN" altLang="en-US"/>
               <a:t>单击此处编辑母版标题样式</a:t>
             </a:r>
             <a:endParaRPr lang="en-US" dirty="0"/>
@@ -7249,35 +7252,35 @@
           <a:p>
             <a:pPr lvl="0"/>
             <a:r>
-              <a:rPr lang="zh-CN" altLang="en-US" smtClean="0"/>
+              <a:rPr lang="zh-CN" altLang="en-US"/>
               <a:t>单击此处编辑母版文本样式</a:t>
             </a:r>
           </a:p>
           <a:p>
             <a:pPr lvl="1"/>
             <a:r>
-              <a:rPr lang="zh-CN" altLang="en-US" smtClean="0"/>
+              <a:rPr lang="zh-CN" altLang="en-US"/>
               <a:t>第二级</a:t>
             </a:r>
           </a:p>
           <a:p>
             <a:pPr lvl="2"/>
             <a:r>
-              <a:rPr lang="zh-CN" altLang="en-US" smtClean="0"/>
+              <a:rPr lang="zh-CN" altLang="en-US"/>
               <a:t>第三级</a:t>
             </a:r>
           </a:p>
           <a:p>
             <a:pPr lvl="3"/>
             <a:r>
-              <a:rPr lang="zh-CN" altLang="en-US" smtClean="0"/>
+              <a:rPr lang="zh-CN" altLang="en-US"/>
               <a:t>第四级</a:t>
             </a:r>
           </a:p>
           <a:p>
             <a:pPr lvl="4"/>
             <a:r>
-              <a:rPr lang="zh-CN" altLang="en-US" smtClean="0"/>
+              <a:rPr lang="zh-CN" altLang="en-US"/>
               <a:t>第五级</a:t>
             </a:r>
             <a:endParaRPr lang="en-US" dirty="0"/>
@@ -7301,7 +7304,7 @@
           <a:p>
             <a:fld id="{48A87A34-81AB-432B-8DAE-1953F412C126}" type="datetimeFigureOut">
               <a:rPr lang="en-US" dirty="0"/>
-              <a:t>12/27/2016</a:t>
+              <a:t>12/28/2016</a:t>
             </a:fld>
             <a:endParaRPr lang="en-US" dirty="0"/>
           </a:p>
@@ -7401,7 +7404,7 @@
           </a:lstStyle>
           <a:p>
             <a:r>
-              <a:rPr lang="zh-CN" altLang="en-US" smtClean="0"/>
+              <a:rPr lang="zh-CN" altLang="en-US"/>
               <a:t>单击此处编辑母版标题样式</a:t>
             </a:r>
             <a:endParaRPr lang="en-US" dirty="0"/>
@@ -7523,7 +7526,7 @@
           <a:p>
             <a:pPr lvl="0"/>
             <a:r>
-              <a:rPr lang="zh-CN" altLang="en-US" smtClean="0"/>
+              <a:rPr lang="zh-CN" altLang="en-US"/>
               <a:t>单击此处编辑母版文本样式</a:t>
             </a:r>
           </a:p>
@@ -7546,7 +7549,7 @@
           <a:p>
             <a:fld id="{48A87A34-81AB-432B-8DAE-1953F412C126}" type="datetimeFigureOut">
               <a:rPr lang="en-US" dirty="0"/>
-              <a:t>12/27/2016</a:t>
+              <a:t>12/28/2016</a:t>
             </a:fld>
             <a:endParaRPr lang="en-US" dirty="0"/>
           </a:p>
@@ -7635,7 +7638,7 @@
           <a:lstStyle/>
           <a:p>
             <a:r>
-              <a:rPr lang="zh-CN" altLang="en-US" smtClean="0"/>
+              <a:rPr lang="zh-CN" altLang="en-US"/>
               <a:t>单击此处编辑母版标题样式</a:t>
             </a:r>
             <a:endParaRPr lang="en-US" dirty="0"/>
@@ -7664,35 +7667,35 @@
           <a:p>
             <a:pPr lvl="0"/>
             <a:r>
-              <a:rPr lang="zh-CN" altLang="en-US" smtClean="0"/>
+              <a:rPr lang="zh-CN" altLang="en-US"/>
               <a:t>单击此处编辑母版文本样式</a:t>
             </a:r>
           </a:p>
           <a:p>
             <a:pPr lvl="1"/>
             <a:r>
-              <a:rPr lang="zh-CN" altLang="en-US" smtClean="0"/>
+              <a:rPr lang="zh-CN" altLang="en-US"/>
               <a:t>第二级</a:t>
             </a:r>
           </a:p>
           <a:p>
             <a:pPr lvl="2"/>
             <a:r>
-              <a:rPr lang="zh-CN" altLang="en-US" smtClean="0"/>
+              <a:rPr lang="zh-CN" altLang="en-US"/>
               <a:t>第三级</a:t>
             </a:r>
           </a:p>
           <a:p>
             <a:pPr lvl="3"/>
             <a:r>
-              <a:rPr lang="zh-CN" altLang="en-US" smtClean="0"/>
+              <a:rPr lang="zh-CN" altLang="en-US"/>
               <a:t>第四级</a:t>
             </a:r>
           </a:p>
           <a:p>
             <a:pPr lvl="4"/>
             <a:r>
-              <a:rPr lang="zh-CN" altLang="en-US" smtClean="0"/>
+              <a:rPr lang="zh-CN" altLang="en-US"/>
               <a:t>第五级</a:t>
             </a:r>
             <a:endParaRPr lang="en-US" dirty="0"/>
@@ -7721,35 +7724,35 @@
           <a:p>
             <a:pPr lvl="0"/>
             <a:r>
-              <a:rPr lang="zh-CN" altLang="en-US" smtClean="0"/>
+              <a:rPr lang="zh-CN" altLang="en-US"/>
               <a:t>单击此处编辑母版文本样式</a:t>
             </a:r>
           </a:p>
           <a:p>
             <a:pPr lvl="1"/>
             <a:r>
-              <a:rPr lang="zh-CN" altLang="en-US" smtClean="0"/>
+              <a:rPr lang="zh-CN" altLang="en-US"/>
               <a:t>第二级</a:t>
             </a:r>
           </a:p>
           <a:p>
             <a:pPr lvl="2"/>
             <a:r>
-              <a:rPr lang="zh-CN" altLang="en-US" smtClean="0"/>
+              <a:rPr lang="zh-CN" altLang="en-US"/>
               <a:t>第三级</a:t>
             </a:r>
           </a:p>
           <a:p>
             <a:pPr lvl="3"/>
             <a:r>
-              <a:rPr lang="zh-CN" altLang="en-US" smtClean="0"/>
+              <a:rPr lang="zh-CN" altLang="en-US"/>
               <a:t>第四级</a:t>
             </a:r>
           </a:p>
           <a:p>
             <a:pPr lvl="4"/>
             <a:r>
-              <a:rPr lang="zh-CN" altLang="en-US" smtClean="0"/>
+              <a:rPr lang="zh-CN" altLang="en-US"/>
               <a:t>第五级</a:t>
             </a:r>
             <a:endParaRPr lang="en-US" dirty="0"/>
@@ -7773,7 +7776,7 @@
           <a:p>
             <a:fld id="{48A87A34-81AB-432B-8DAE-1953F412C126}" type="datetimeFigureOut">
               <a:rPr lang="en-US" dirty="0"/>
-              <a:t>12/27/2016</a:t>
+              <a:t>12/28/2016</a:t>
             </a:fld>
             <a:endParaRPr lang="en-US" dirty="0"/>
           </a:p>
@@ -7867,7 +7870,7 @@
           <a:lstStyle/>
           <a:p>
             <a:r>
-              <a:rPr lang="zh-CN" altLang="en-US" smtClean="0"/>
+              <a:rPr lang="zh-CN" altLang="en-US"/>
               <a:t>单击此处编辑母版标题样式</a:t>
             </a:r>
             <a:endParaRPr lang="en-US" dirty="0"/>
@@ -7940,7 +7943,7 @@
           <a:p>
             <a:pPr lvl="0"/>
             <a:r>
-              <a:rPr lang="zh-CN" altLang="en-US" smtClean="0"/>
+              <a:rPr lang="zh-CN" altLang="en-US"/>
               <a:t>单击此处编辑母版文本样式</a:t>
             </a:r>
           </a:p>
@@ -7968,35 +7971,35 @@
           <a:p>
             <a:pPr lvl="0"/>
             <a:r>
-              <a:rPr lang="zh-CN" altLang="en-US" smtClean="0"/>
+              <a:rPr lang="zh-CN" altLang="en-US"/>
               <a:t>单击此处编辑母版文本样式</a:t>
             </a:r>
           </a:p>
           <a:p>
             <a:pPr lvl="1"/>
             <a:r>
-              <a:rPr lang="zh-CN" altLang="en-US" smtClean="0"/>
+              <a:rPr lang="zh-CN" altLang="en-US"/>
               <a:t>第二级</a:t>
             </a:r>
           </a:p>
           <a:p>
             <a:pPr lvl="2"/>
             <a:r>
-              <a:rPr lang="zh-CN" altLang="en-US" smtClean="0"/>
+              <a:rPr lang="zh-CN" altLang="en-US"/>
               <a:t>第三级</a:t>
             </a:r>
           </a:p>
           <a:p>
             <a:pPr lvl="3"/>
             <a:r>
-              <a:rPr lang="zh-CN" altLang="en-US" smtClean="0"/>
+              <a:rPr lang="zh-CN" altLang="en-US"/>
               <a:t>第四级</a:t>
             </a:r>
           </a:p>
           <a:p>
             <a:pPr lvl="4"/>
             <a:r>
-              <a:rPr lang="zh-CN" altLang="en-US" smtClean="0"/>
+              <a:rPr lang="zh-CN" altLang="en-US"/>
               <a:t>第五级</a:t>
             </a:r>
             <a:endParaRPr lang="en-US" dirty="0"/>
@@ -8069,7 +8072,7 @@
           <a:p>
             <a:pPr lvl="0"/>
             <a:r>
-              <a:rPr lang="zh-CN" altLang="en-US" smtClean="0"/>
+              <a:rPr lang="zh-CN" altLang="en-US"/>
               <a:t>单击此处编辑母版文本样式</a:t>
             </a:r>
           </a:p>
@@ -8097,35 +8100,35 @@
           <a:p>
             <a:pPr lvl="0"/>
             <a:r>
-              <a:rPr lang="zh-CN" altLang="en-US" smtClean="0"/>
+              <a:rPr lang="zh-CN" altLang="en-US"/>
               <a:t>单击此处编辑母版文本样式</a:t>
             </a:r>
           </a:p>
           <a:p>
             <a:pPr lvl="1"/>
             <a:r>
-              <a:rPr lang="zh-CN" altLang="en-US" smtClean="0"/>
+              <a:rPr lang="zh-CN" altLang="en-US"/>
               <a:t>第二级</a:t>
             </a:r>
           </a:p>
           <a:p>
             <a:pPr lvl="2"/>
             <a:r>
-              <a:rPr lang="zh-CN" altLang="en-US" smtClean="0"/>
+              <a:rPr lang="zh-CN" altLang="en-US"/>
               <a:t>第三级</a:t>
             </a:r>
           </a:p>
           <a:p>
             <a:pPr lvl="3"/>
             <a:r>
-              <a:rPr lang="zh-CN" altLang="en-US" smtClean="0"/>
+              <a:rPr lang="zh-CN" altLang="en-US"/>
               <a:t>第四级</a:t>
             </a:r>
           </a:p>
           <a:p>
             <a:pPr lvl="4"/>
             <a:r>
-              <a:rPr lang="zh-CN" altLang="en-US" smtClean="0"/>
+              <a:rPr lang="zh-CN" altLang="en-US"/>
               <a:t>第五级</a:t>
             </a:r>
             <a:endParaRPr lang="en-US" dirty="0"/>
@@ -8149,7 +8152,7 @@
           <a:p>
             <a:fld id="{48A87A34-81AB-432B-8DAE-1953F412C126}" type="datetimeFigureOut">
               <a:rPr lang="en-US" dirty="0"/>
-              <a:t>12/27/2016</a:t>
+              <a:t>12/28/2016</a:t>
             </a:fld>
             <a:endParaRPr lang="en-US" dirty="0"/>
           </a:p>
@@ -8238,7 +8241,7 @@
           <a:lstStyle/>
           <a:p>
             <a:r>
-              <a:rPr lang="zh-CN" altLang="en-US" smtClean="0"/>
+              <a:rPr lang="zh-CN" altLang="en-US"/>
               <a:t>单击此处编辑母版标题样式</a:t>
             </a:r>
             <a:endParaRPr lang="en-US" dirty="0"/>
@@ -8262,7 +8265,7 @@
           <a:p>
             <a:fld id="{48A87A34-81AB-432B-8DAE-1953F412C126}" type="datetimeFigureOut">
               <a:rPr lang="en-US" dirty="0"/>
-              <a:t>12/27/2016</a:t>
+              <a:t>12/28/2016</a:t>
             </a:fld>
             <a:endParaRPr lang="en-US" dirty="0"/>
           </a:p>
@@ -8352,7 +8355,7 @@
           <a:p>
             <a:fld id="{48A87A34-81AB-432B-8DAE-1953F412C126}" type="datetimeFigureOut">
               <a:rPr lang="en-US" dirty="0"/>
-              <a:t>12/27/2016</a:t>
+              <a:t>12/28/2016</a:t>
             </a:fld>
             <a:endParaRPr lang="en-US" dirty="0"/>
           </a:p>
@@ -8450,7 +8453,7 @@
           </a:lstStyle>
           <a:p>
             <a:r>
-              <a:rPr lang="zh-CN" altLang="en-US" smtClean="0"/>
+              <a:rPr lang="zh-CN" altLang="en-US"/>
               <a:t>单击此处编辑母版标题样式</a:t>
             </a:r>
             <a:endParaRPr lang="en-US" dirty="0"/>
@@ -8479,35 +8482,35 @@
           <a:p>
             <a:pPr lvl="0"/>
             <a:r>
-              <a:rPr lang="zh-CN" altLang="en-US" smtClean="0"/>
+              <a:rPr lang="zh-CN" altLang="en-US"/>
               <a:t>单击此处编辑母版文本样式</a:t>
             </a:r>
           </a:p>
           <a:p>
             <a:pPr lvl="1"/>
             <a:r>
-              <a:rPr lang="zh-CN" altLang="en-US" smtClean="0"/>
+              <a:rPr lang="zh-CN" altLang="en-US"/>
               <a:t>第二级</a:t>
             </a:r>
           </a:p>
           <a:p>
             <a:pPr lvl="2"/>
             <a:r>
-              <a:rPr lang="zh-CN" altLang="en-US" smtClean="0"/>
+              <a:rPr lang="zh-CN" altLang="en-US"/>
               <a:t>第三级</a:t>
             </a:r>
           </a:p>
           <a:p>
             <a:pPr lvl="3"/>
             <a:r>
-              <a:rPr lang="zh-CN" altLang="en-US" smtClean="0"/>
+              <a:rPr lang="zh-CN" altLang="en-US"/>
               <a:t>第四级</a:t>
             </a:r>
           </a:p>
           <a:p>
             <a:pPr lvl="4"/>
             <a:r>
-              <a:rPr lang="zh-CN" altLang="en-US" smtClean="0"/>
+              <a:rPr lang="zh-CN" altLang="en-US"/>
               <a:t>第五级</a:t>
             </a:r>
             <a:endParaRPr lang="en-US" dirty="0"/>
@@ -8573,7 +8576,7 @@
           <a:p>
             <a:pPr lvl="0"/>
             <a:r>
-              <a:rPr lang="zh-CN" altLang="en-US" smtClean="0"/>
+              <a:rPr lang="zh-CN" altLang="en-US"/>
               <a:t>单击此处编辑母版文本样式</a:t>
             </a:r>
           </a:p>
@@ -8596,7 +8599,7 @@
           <a:p>
             <a:fld id="{48A87A34-81AB-432B-8DAE-1953F412C126}" type="datetimeFigureOut">
               <a:rPr lang="en-US" dirty="0"/>
-              <a:t>12/27/2016</a:t>
+              <a:t>12/28/2016</a:t>
             </a:fld>
             <a:endParaRPr lang="en-US" dirty="0"/>
           </a:p>
@@ -8694,7 +8697,7 @@
           </a:lstStyle>
           <a:p>
             <a:r>
-              <a:rPr lang="zh-CN" altLang="en-US" smtClean="0"/>
+              <a:rPr lang="zh-CN" altLang="en-US"/>
               <a:t>单击此处编辑母版标题样式</a:t>
             </a:r>
             <a:endParaRPr lang="en-US" dirty="0"/>
@@ -8782,7 +8785,7 @@
           </a:lstStyle>
           <a:p>
             <a:r>
-              <a:rPr lang="zh-CN" altLang="en-US" smtClean="0"/>
+              <a:rPr lang="zh-CN" altLang="en-US"/>
               <a:t>单击图标添加图片</a:t>
             </a:r>
             <a:endParaRPr lang="en-US" dirty="0"/>
@@ -8848,7 +8851,7 @@
           <a:p>
             <a:pPr lvl="0"/>
             <a:r>
-              <a:rPr lang="zh-CN" altLang="en-US" smtClean="0"/>
+              <a:rPr lang="zh-CN" altLang="en-US"/>
               <a:t>单击此处编辑母版文本样式</a:t>
             </a:r>
           </a:p>
@@ -8871,7 +8874,7 @@
           <a:p>
             <a:fld id="{48A87A34-81AB-432B-8DAE-1953F412C126}" type="datetimeFigureOut">
               <a:rPr lang="en-US" dirty="0"/>
-              <a:t>12/27/2016</a:t>
+              <a:t>12/28/2016</a:t>
             </a:fld>
             <a:endParaRPr lang="en-US" dirty="0"/>
           </a:p>
@@ -8989,7 +8992,7 @@
           <a:noFill/>
           <a:extLst>
             <a:ext uri="{909E8E84-426E-40dd-AFC4-6F175D3DCCD1}">
-              <a14:hiddenFill xmlns:a14="http://schemas.microsoft.com/office/drawing/2010/main" xmlns="">
+              <a14:hiddenFill xmlns="" xmlns:a14="http://schemas.microsoft.com/office/drawing/2010/main">
                 <a:solidFill>
                   <a:srgbClr val="FFFFFF"/>
                 </a:solidFill>
@@ -9063,7 +9066,7 @@
               </a:ln>
               <a:extLst>
                 <a:ext uri="{91240B29-F687-4f45-9708-019B960494DF}">
-                  <a14:hiddenLine xmlns:a14="http://schemas.microsoft.com/office/drawing/2010/main" xmlns="" w="9525">
+                  <a14:hiddenLine xmlns="" xmlns:a14="http://schemas.microsoft.com/office/drawing/2010/main" w="9525">
                     <a:solidFill>
                       <a:srgbClr val="000000"/>
                     </a:solidFill>
@@ -9153,7 +9156,7 @@
               </a:ln>
               <a:extLst>
                 <a:ext uri="{91240B29-F687-4f45-9708-019B960494DF}">
-                  <a14:hiddenLine xmlns:a14="http://schemas.microsoft.com/office/drawing/2010/main" xmlns="" w="9525">
+                  <a14:hiddenLine xmlns="" xmlns:a14="http://schemas.microsoft.com/office/drawing/2010/main" w="9525">
                     <a:solidFill>
                       <a:srgbClr val="000000"/>
                     </a:solidFill>
@@ -9243,7 +9246,7 @@
               </a:ln>
               <a:extLst>
                 <a:ext uri="{91240B29-F687-4f45-9708-019B960494DF}">
-                  <a14:hiddenLine xmlns:a14="http://schemas.microsoft.com/office/drawing/2010/main" xmlns="" w="9525">
+                  <a14:hiddenLine xmlns="" xmlns:a14="http://schemas.microsoft.com/office/drawing/2010/main" w="9525">
                     <a:solidFill>
                       <a:srgbClr val="000000"/>
                     </a:solidFill>
@@ -9305,7 +9308,7 @@
               </a:ln>
               <a:extLst>
                 <a:ext uri="{91240B29-F687-4f45-9708-019B960494DF}">
-                  <a14:hiddenLine xmlns:a14="http://schemas.microsoft.com/office/drawing/2010/main" xmlns="" w="9525">
+                  <a14:hiddenLine xmlns="" xmlns:a14="http://schemas.microsoft.com/office/drawing/2010/main" w="9525">
                     <a:solidFill>
                       <a:srgbClr val="000000"/>
                     </a:solidFill>
@@ -9395,7 +9398,7 @@
               </a:ln>
               <a:extLst>
                 <a:ext uri="{91240B29-F687-4f45-9708-019B960494DF}">
-                  <a14:hiddenLine xmlns:a14="http://schemas.microsoft.com/office/drawing/2010/main" xmlns="" w="9525">
+                  <a14:hiddenLine xmlns="" xmlns:a14="http://schemas.microsoft.com/office/drawing/2010/main" w="9525">
                     <a:solidFill>
                       <a:srgbClr val="000000"/>
                     </a:solidFill>
@@ -9457,7 +9460,7 @@
               </a:ln>
               <a:extLst>
                 <a:ext uri="{91240B29-F687-4f45-9708-019B960494DF}">
-                  <a14:hiddenLine xmlns:a14="http://schemas.microsoft.com/office/drawing/2010/main" xmlns="" w="9525">
+                  <a14:hiddenLine xmlns="" xmlns:a14="http://schemas.microsoft.com/office/drawing/2010/main" w="9525">
                     <a:solidFill>
                       <a:srgbClr val="000000"/>
                     </a:solidFill>
@@ -9519,7 +9522,7 @@
               </a:ln>
               <a:extLst>
                 <a:ext uri="{91240B29-F687-4f45-9708-019B960494DF}">
-                  <a14:hiddenLine xmlns:a14="http://schemas.microsoft.com/office/drawing/2010/main" xmlns="" w="9525">
+                  <a14:hiddenLine xmlns="" xmlns:a14="http://schemas.microsoft.com/office/drawing/2010/main" w="9525">
                     <a:solidFill>
                       <a:srgbClr val="000000"/>
                     </a:solidFill>
@@ -9609,7 +9612,7 @@
               </a:ln>
               <a:extLst>
                 <a:ext uri="{91240B29-F687-4f45-9708-019B960494DF}">
-                  <a14:hiddenLine xmlns:a14="http://schemas.microsoft.com/office/drawing/2010/main" xmlns="" w="9525">
+                  <a14:hiddenLine xmlns="" xmlns:a14="http://schemas.microsoft.com/office/drawing/2010/main" w="9525">
                     <a:solidFill>
                       <a:srgbClr val="000000"/>
                     </a:solidFill>
@@ -9699,7 +9702,7 @@
               </a:ln>
               <a:extLst>
                 <a:ext uri="{91240B29-F687-4f45-9708-019B960494DF}">
-                  <a14:hiddenLine xmlns:a14="http://schemas.microsoft.com/office/drawing/2010/main" xmlns="" w="9525">
+                  <a14:hiddenLine xmlns="" xmlns:a14="http://schemas.microsoft.com/office/drawing/2010/main" w="9525">
                     <a:solidFill>
                       <a:srgbClr val="000000"/>
                     </a:solidFill>
@@ -9761,7 +9764,7 @@
               </a:ln>
               <a:extLst>
                 <a:ext uri="{91240B29-F687-4f45-9708-019B960494DF}">
-                  <a14:hiddenLine xmlns:a14="http://schemas.microsoft.com/office/drawing/2010/main" xmlns="" w="9525">
+                  <a14:hiddenLine xmlns="" xmlns:a14="http://schemas.microsoft.com/office/drawing/2010/main" w="9525">
                     <a:solidFill>
                       <a:srgbClr val="000000"/>
                     </a:solidFill>
@@ -9871,7 +9874,7 @@
               </a:ln>
               <a:extLst>
                 <a:ext uri="{91240B29-F687-4f45-9708-019B960494DF}">
-                  <a14:hiddenLine xmlns:a14="http://schemas.microsoft.com/office/drawing/2010/main" xmlns="" w="9525">
+                  <a14:hiddenLine xmlns="" xmlns:a14="http://schemas.microsoft.com/office/drawing/2010/main" w="9525">
                     <a:solidFill>
                       <a:srgbClr val="000000"/>
                     </a:solidFill>
@@ -9955,7 +9958,7 @@
               </a:ln>
               <a:extLst>
                 <a:ext uri="{91240B29-F687-4f45-9708-019B960494DF}">
-                  <a14:hiddenLine xmlns:a14="http://schemas.microsoft.com/office/drawing/2010/main" xmlns="" w="9525">
+                  <a14:hiddenLine xmlns="" xmlns:a14="http://schemas.microsoft.com/office/drawing/2010/main" w="9525">
                     <a:solidFill>
                       <a:srgbClr val="000000"/>
                     </a:solidFill>
@@ -10017,7 +10020,7 @@
               </a:ln>
               <a:extLst>
                 <a:ext uri="{91240B29-F687-4f45-9708-019B960494DF}">
-                  <a14:hiddenLine xmlns:a14="http://schemas.microsoft.com/office/drawing/2010/main" xmlns="" w="9525">
+                  <a14:hiddenLine xmlns="" xmlns:a14="http://schemas.microsoft.com/office/drawing/2010/main" w="9525">
                     <a:solidFill>
                       <a:srgbClr val="000000"/>
                     </a:solidFill>
@@ -10079,7 +10082,7 @@
               </a:ln>
               <a:extLst>
                 <a:ext uri="{91240B29-F687-4f45-9708-019B960494DF}">
-                  <a14:hiddenLine xmlns:a14="http://schemas.microsoft.com/office/drawing/2010/main" xmlns="" w="9525">
+                  <a14:hiddenLine xmlns="" xmlns:a14="http://schemas.microsoft.com/office/drawing/2010/main" w="9525">
                     <a:solidFill>
                       <a:srgbClr val="000000"/>
                     </a:solidFill>
@@ -10169,7 +10172,7 @@
               </a:ln>
               <a:extLst>
                 <a:ext uri="{91240B29-F687-4f45-9708-019B960494DF}">
-                  <a14:hiddenLine xmlns:a14="http://schemas.microsoft.com/office/drawing/2010/main" xmlns="" w="9525">
+                  <a14:hiddenLine xmlns="" xmlns:a14="http://schemas.microsoft.com/office/drawing/2010/main" w="9525">
                     <a:solidFill>
                       <a:srgbClr val="000000"/>
                     </a:solidFill>
@@ -10203,7 +10206,7 @@
               </a:ln>
               <a:extLst>
                 <a:ext uri="{91240B29-F687-4f45-9708-019B960494DF}">
-                  <a14:hiddenLine xmlns:a14="http://schemas.microsoft.com/office/drawing/2010/main" xmlns="" w="9525">
+                  <a14:hiddenLine xmlns="" xmlns:a14="http://schemas.microsoft.com/office/drawing/2010/main" w="9525">
                     <a:solidFill>
                       <a:srgbClr val="000000"/>
                     </a:solidFill>
@@ -10268,7 +10271,7 @@
               </a:ln>
               <a:extLst>
                 <a:ext uri="{91240B29-F687-4f45-9708-019B960494DF}">
-                  <a14:hiddenLine xmlns:a14="http://schemas.microsoft.com/office/drawing/2010/main" xmlns="" w="9525">
+                  <a14:hiddenLine xmlns="" xmlns:a14="http://schemas.microsoft.com/office/drawing/2010/main" w="9525">
                     <a:solidFill>
                       <a:srgbClr val="000000"/>
                     </a:solidFill>
@@ -10358,7 +10361,7 @@
               </a:ln>
               <a:extLst>
                 <a:ext uri="{91240B29-F687-4f45-9708-019B960494DF}">
-                  <a14:hiddenLine xmlns:a14="http://schemas.microsoft.com/office/drawing/2010/main" xmlns="" w="9525">
+                  <a14:hiddenLine xmlns="" xmlns:a14="http://schemas.microsoft.com/office/drawing/2010/main" w="9525">
                     <a:solidFill>
                       <a:srgbClr val="000000"/>
                     </a:solidFill>
@@ -10420,7 +10423,7 @@
               </a:ln>
               <a:extLst>
                 <a:ext uri="{91240B29-F687-4f45-9708-019B960494DF}">
-                  <a14:hiddenLine xmlns:a14="http://schemas.microsoft.com/office/drawing/2010/main" xmlns="" w="9525">
+                  <a14:hiddenLine xmlns="" xmlns:a14="http://schemas.microsoft.com/office/drawing/2010/main" w="9525">
                     <a:solidFill>
                       <a:srgbClr val="000000"/>
                     </a:solidFill>
@@ -10510,7 +10513,7 @@
               </a:ln>
               <a:extLst>
                 <a:ext uri="{91240B29-F687-4f45-9708-019B960494DF}">
-                  <a14:hiddenLine xmlns:a14="http://schemas.microsoft.com/office/drawing/2010/main" xmlns="" w="9525">
+                  <a14:hiddenLine xmlns="" xmlns:a14="http://schemas.microsoft.com/office/drawing/2010/main" w="9525">
                     <a:solidFill>
                       <a:srgbClr val="000000"/>
                     </a:solidFill>
@@ -10575,7 +10578,7 @@
               </a:ln>
               <a:extLst>
                 <a:ext uri="{91240B29-F687-4f45-9708-019B960494DF}">
-                  <a14:hiddenLine xmlns:a14="http://schemas.microsoft.com/office/drawing/2010/main" xmlns="" w="9525">
+                  <a14:hiddenLine xmlns="" xmlns:a14="http://schemas.microsoft.com/office/drawing/2010/main" w="9525">
                     <a:solidFill>
                       <a:srgbClr val="000000"/>
                     </a:solidFill>
@@ -10637,7 +10640,7 @@
               </a:ln>
               <a:extLst>
                 <a:ext uri="{91240B29-F687-4f45-9708-019B960494DF}">
-                  <a14:hiddenLine xmlns:a14="http://schemas.microsoft.com/office/drawing/2010/main" xmlns="" w="9525">
+                  <a14:hiddenLine xmlns="" xmlns:a14="http://schemas.microsoft.com/office/drawing/2010/main" w="9525">
                     <a:solidFill>
                       <a:srgbClr val="000000"/>
                     </a:solidFill>
@@ -10727,7 +10730,7 @@
               </a:ln>
               <a:extLst>
                 <a:ext uri="{91240B29-F687-4f45-9708-019B960494DF}">
-                  <a14:hiddenLine xmlns:a14="http://schemas.microsoft.com/office/drawing/2010/main" xmlns="" w="9525">
+                  <a14:hiddenLine xmlns="" xmlns:a14="http://schemas.microsoft.com/office/drawing/2010/main" w="9525">
                     <a:solidFill>
                       <a:srgbClr val="000000"/>
                     </a:solidFill>
@@ -10817,7 +10820,7 @@
               </a:ln>
               <a:extLst>
                 <a:ext uri="{91240B29-F687-4f45-9708-019B960494DF}">
-                  <a14:hiddenLine xmlns:a14="http://schemas.microsoft.com/office/drawing/2010/main" xmlns="" w="9525">
+                  <a14:hiddenLine xmlns="" xmlns:a14="http://schemas.microsoft.com/office/drawing/2010/main" w="9525">
                     <a:solidFill>
                       <a:srgbClr val="000000"/>
                     </a:solidFill>
@@ -10882,7 +10885,7 @@
               </a:ln>
               <a:extLst>
                 <a:ext uri="{91240B29-F687-4f45-9708-019B960494DF}">
-                  <a14:hiddenLine xmlns:a14="http://schemas.microsoft.com/office/drawing/2010/main" xmlns="" w="9525">
+                  <a14:hiddenLine xmlns="" xmlns:a14="http://schemas.microsoft.com/office/drawing/2010/main" w="9525">
                     <a:solidFill>
                       <a:srgbClr val="000000"/>
                     </a:solidFill>
@@ -11002,7 +11005,7 @@
               </a:ln>
               <a:extLst>
                 <a:ext uri="{91240B29-F687-4f45-9708-019B960494DF}">
-                  <a14:hiddenLine xmlns:a14="http://schemas.microsoft.com/office/drawing/2010/main" xmlns="" w="9525">
+                  <a14:hiddenLine xmlns="" xmlns:a14="http://schemas.microsoft.com/office/drawing/2010/main" w="9525">
                     <a:solidFill>
                       <a:srgbClr val="000000"/>
                     </a:solidFill>
@@ -11083,7 +11086,7 @@
               </a:ln>
               <a:extLst>
                 <a:ext uri="{91240B29-F687-4f45-9708-019B960494DF}">
-                  <a14:hiddenLine xmlns:a14="http://schemas.microsoft.com/office/drawing/2010/main" xmlns="" w="9525">
+                  <a14:hiddenLine xmlns="" xmlns:a14="http://schemas.microsoft.com/office/drawing/2010/main" w="9525">
                     <a:solidFill>
                       <a:srgbClr val="000000"/>
                     </a:solidFill>
@@ -11198,7 +11201,7 @@
               </a:ln>
               <a:extLst>
                 <a:ext uri="{91240B29-F687-4f45-9708-019B960494DF}">
-                  <a14:hiddenLine xmlns:a14="http://schemas.microsoft.com/office/drawing/2010/main" xmlns="" w="9525">
+                  <a14:hiddenLine xmlns="" xmlns:a14="http://schemas.microsoft.com/office/drawing/2010/main" w="9525">
                     <a:solidFill>
                       <a:srgbClr val="000000"/>
                     </a:solidFill>
@@ -11288,7 +11291,7 @@
               </a:ln>
               <a:extLst>
                 <a:ext uri="{91240B29-F687-4f45-9708-019B960494DF}">
-                  <a14:hiddenLine xmlns:a14="http://schemas.microsoft.com/office/drawing/2010/main" xmlns="" w="9525">
+                  <a14:hiddenLine xmlns="" xmlns:a14="http://schemas.microsoft.com/office/drawing/2010/main" w="9525">
                     <a:solidFill>
                       <a:srgbClr val="000000"/>
                     </a:solidFill>
@@ -11353,7 +11356,7 @@
               </a:ln>
               <a:extLst>
                 <a:ext uri="{91240B29-F687-4f45-9708-019B960494DF}">
-                  <a14:hiddenLine xmlns:a14="http://schemas.microsoft.com/office/drawing/2010/main" xmlns="" w="9525">
+                  <a14:hiddenLine xmlns="" xmlns:a14="http://schemas.microsoft.com/office/drawing/2010/main" w="9525">
                     <a:solidFill>
                       <a:srgbClr val="000000"/>
                     </a:solidFill>
@@ -11443,7 +11446,7 @@
               </a:ln>
               <a:extLst>
                 <a:ext uri="{91240B29-F687-4f45-9708-019B960494DF}">
-                  <a14:hiddenLine xmlns:a14="http://schemas.microsoft.com/office/drawing/2010/main" xmlns="" w="9525">
+                  <a14:hiddenLine xmlns="" xmlns:a14="http://schemas.microsoft.com/office/drawing/2010/main" w="9525">
                     <a:solidFill>
                       <a:srgbClr val="000000"/>
                     </a:solidFill>
@@ -11511,7 +11514,7 @@
               </a:ln>
               <a:extLst>
                 <a:ext uri="{91240B29-F687-4f45-9708-019B960494DF}">
-                  <a14:hiddenLine xmlns:a14="http://schemas.microsoft.com/office/drawing/2010/main" xmlns="" w="9525">
+                  <a14:hiddenLine xmlns="" xmlns:a14="http://schemas.microsoft.com/office/drawing/2010/main" w="9525">
                     <a:solidFill>
                       <a:srgbClr val="000000"/>
                     </a:solidFill>
@@ -11601,7 +11604,7 @@
               </a:ln>
               <a:extLst>
                 <a:ext uri="{91240B29-F687-4f45-9708-019B960494DF}">
-                  <a14:hiddenLine xmlns:a14="http://schemas.microsoft.com/office/drawing/2010/main" xmlns="" w="9525">
+                  <a14:hiddenLine xmlns="" xmlns:a14="http://schemas.microsoft.com/office/drawing/2010/main" w="9525">
                     <a:solidFill>
                       <a:srgbClr val="000000"/>
                     </a:solidFill>
@@ -11669,7 +11672,7 @@
               </a:ln>
               <a:extLst>
                 <a:ext uri="{91240B29-F687-4f45-9708-019B960494DF}">
-                  <a14:hiddenLine xmlns:a14="http://schemas.microsoft.com/office/drawing/2010/main" xmlns="" w="9525">
+                  <a14:hiddenLine xmlns="" xmlns:a14="http://schemas.microsoft.com/office/drawing/2010/main" w="9525">
                     <a:solidFill>
                       <a:srgbClr val="000000"/>
                     </a:solidFill>
@@ -11759,7 +11762,7 @@
               </a:ln>
               <a:extLst>
                 <a:ext uri="{91240B29-F687-4f45-9708-019B960494DF}">
-                  <a14:hiddenLine xmlns:a14="http://schemas.microsoft.com/office/drawing/2010/main" xmlns="" w="9525">
+                  <a14:hiddenLine xmlns="" xmlns:a14="http://schemas.microsoft.com/office/drawing/2010/main" w="9525">
                     <a:solidFill>
                       <a:srgbClr val="000000"/>
                     </a:solidFill>
@@ -11793,7 +11796,7 @@
               </a:ln>
               <a:extLst>
                 <a:ext uri="{91240B29-F687-4f45-9708-019B960494DF}">
-                  <a14:hiddenLine xmlns:a14="http://schemas.microsoft.com/office/drawing/2010/main" xmlns="" w="9525">
+                  <a14:hiddenLine xmlns="" xmlns:a14="http://schemas.microsoft.com/office/drawing/2010/main" w="9525">
                     <a:solidFill>
                       <a:srgbClr val="000000"/>
                     </a:solidFill>
@@ -11863,35 +11866,35 @@
           <a:p>
             <a:pPr lvl="0"/>
             <a:r>
-              <a:rPr lang="zh-CN" altLang="en-US" smtClean="0"/>
+              <a:rPr lang="zh-CN" altLang="en-US"/>
               <a:t>单击此处编辑母版文本样式</a:t>
             </a:r>
           </a:p>
           <a:p>
             <a:pPr lvl="1"/>
             <a:r>
-              <a:rPr lang="zh-CN" altLang="en-US" smtClean="0"/>
+              <a:rPr lang="zh-CN" altLang="en-US"/>
               <a:t>第二级</a:t>
             </a:r>
           </a:p>
           <a:p>
             <a:pPr lvl="2"/>
             <a:r>
-              <a:rPr lang="zh-CN" altLang="en-US" smtClean="0"/>
+              <a:rPr lang="zh-CN" altLang="en-US"/>
               <a:t>第三级</a:t>
             </a:r>
           </a:p>
           <a:p>
             <a:pPr lvl="3"/>
             <a:r>
-              <a:rPr lang="zh-CN" altLang="en-US" smtClean="0"/>
+              <a:rPr lang="zh-CN" altLang="en-US"/>
               <a:t>第四级</a:t>
             </a:r>
           </a:p>
           <a:p>
             <a:pPr lvl="4"/>
             <a:r>
-              <a:rPr lang="zh-CN" altLang="en-US" smtClean="0"/>
+              <a:rPr lang="zh-CN" altLang="en-US"/>
               <a:t>第五级</a:t>
             </a:r>
             <a:endParaRPr lang="en-US" dirty="0"/>
@@ -11934,7 +11937,7 @@
             <a:fld id="{48A87A34-81AB-432B-8DAE-1953F412C126}" type="datetimeFigureOut">
               <a:rPr lang="en-US" dirty="0"/>
               <a:pPr/>
-              <a:t>12/27/2016</a:t>
+              <a:t>12/28/2016</a:t>
             </a:fld>
             <a:endParaRPr lang="en-US" dirty="0"/>
           </a:p>
@@ -12362,35 +12365,25 @@
         </p:nvSpPr>
         <p:spPr/>
         <p:txBody>
-          <a:bodyPr/>
+          <a:bodyPr>
+            <a:normAutofit fontScale="90000"/>
+          </a:bodyPr>
           <a:lstStyle/>
           <a:p>
             <a:r>
-              <a:rPr lang="en-US" altLang="zh-CN" sz="8000" cap="none" dirty="0" smtClean="0"/>
+              <a:rPr lang="en-US" altLang="zh-CN" sz="8000" cap="none" dirty="0"/>
               <a:t>python interpreter</a:t>
             </a:r>
-            <a:r>
-              <a:rPr lang="en-US" altLang="zh-CN" cap="none" dirty="0" smtClean="0"/>
-              <a:t/>
-            </a:r>
             <a:br>
-              <a:rPr lang="en-US" altLang="zh-CN" cap="none" dirty="0" smtClean="0"/>
+              <a:rPr lang="en-US" altLang="zh-CN" cap="none" dirty="0"/>
             </a:br>
             <a:r>
               <a:rPr lang="en-US" altLang="zh-CN" cap="none" dirty="0"/>
-              <a:t> </a:t>
+              <a:t>                    implemented in </a:t>
             </a:r>
             <a:r>
-              <a:rPr lang="en-US" altLang="zh-CN" cap="none" dirty="0" smtClean="0"/>
-              <a:t>                       </a:t>
-            </a:r>
-            <a:r>
-              <a:rPr lang="en-US" altLang="zh-CN" cap="none" dirty="0" err="1" smtClean="0"/>
-              <a:t>javascrpit</a:t>
-            </a:r>
-            <a:r>
-              <a:rPr lang="en-US" altLang="zh-CN" cap="none" dirty="0" smtClean="0"/>
-              <a:t> realize</a:t>
+              <a:rPr lang="en-US" altLang="zh-CN" cap="none" dirty="0" err="1"/>
+              <a:t>javascript</a:t>
             </a:r>
             <a:endParaRPr lang="zh-CN" altLang="en-US" dirty="0"/>
           </a:p>
@@ -12419,10 +12412,15 @@
           <a:lstStyle/>
           <a:p>
             <a:r>
-              <a:rPr lang="zh-CN" altLang="en-US" sz="2400" dirty="0" smtClean="0"/>
+              <a:rPr lang="zh-CN" altLang="en-US" sz="2800" dirty="0">
+                <a:solidFill>
+                  <a:schemeClr val="tx1"/>
+                </a:solidFill>
+                <a:latin typeface="jkrFZYH" panose="02000000000000000000" pitchFamily="2" charset="-122"/>
+                <a:ea typeface="jkrFZYH" panose="02000000000000000000" pitchFamily="2" charset="-122"/>
+              </a:rPr>
               <a:t>组员：蒋铠嵘  何淂劲  尹艳玲  胡笛</a:t>
             </a:r>
-            <a:endParaRPr lang="zh-CN" altLang="en-US" sz="2400" dirty="0"/>
           </a:p>
         </p:txBody>
       </p:sp>
@@ -12436,13 +12434,6 @@
   <p:clrMapOvr>
     <a:masterClrMapping/>
   </p:clrMapOvr>
-  <p:timing>
-    <p:tnLst>
-      <p:par>
-        <p:cTn id="1" dur="indefinite" restart="never" nodeType="tmRoot"/>
-      </p:par>
-    </p:tnLst>
-  </p:timing>
 </p:sld>
 </file>
 
@@ -12465,182 +12456,88 @@
       </p:grpSpPr>
       <p:sp>
         <p:nvSpPr>
-          <p:cNvPr id="2" name="标题 1"/>
-          <p:cNvSpPr>
-            <a:spLocks noGrp="1"/>
-          </p:cNvSpPr>
-          <p:nvPr>
-            <p:ph type="ctrTitle"/>
-          </p:nvPr>
+          <p:cNvPr id="3" name="文本框 2"/>
+          <p:cNvSpPr txBox="1"/>
+          <p:nvPr/>
         </p:nvSpPr>
-        <p:spPr/>
+        <p:spPr>
+          <a:xfrm>
+            <a:off x="6559420" y="279028"/>
+            <a:ext cx="4602851" cy="833690"/>
+          </a:xfrm>
+          <a:prstGeom prst="rect">
+            <a:avLst/>
+          </a:prstGeom>
+          <a:noFill/>
+        </p:spPr>
         <p:txBody>
-          <a:bodyPr/>
+          <a:bodyPr wrap="square" rtlCol="0">
+            <a:spAutoFit/>
+          </a:bodyPr>
           <a:lstStyle/>
           <a:p>
-            <a:endParaRPr lang="zh-CN" altLang="en-US"/>
+            <a:pPr marL="457200" indent="-457200">
+              <a:lnSpc>
+                <a:spcPct val="150000"/>
+              </a:lnSpc>
+              <a:buFont typeface="Arial" panose="020B0604020202020204" pitchFamily="34" charset="0"/>
+              <a:buChar char="•"/>
+            </a:pPr>
+            <a:r>
+              <a:rPr lang="zh-CN" altLang="en-US" sz="3600" dirty="0">
+                <a:latin typeface="jkrFZYH" panose="02000000000000000000" pitchFamily="2" charset="-122"/>
+                <a:ea typeface="jkrFZYH" panose="02000000000000000000" pitchFamily="2" charset="-122"/>
+              </a:rPr>
+              <a:t>遍历执行语法树</a:t>
+            </a:r>
+            <a:endParaRPr lang="en-US" altLang="zh-CN" sz="3600" dirty="0">
+              <a:latin typeface="jkrFZYH" panose="02000000000000000000" pitchFamily="2" charset="-122"/>
+              <a:ea typeface="jkrFZYH" panose="02000000000000000000" pitchFamily="2" charset="-122"/>
+            </a:endParaRPr>
           </a:p>
         </p:txBody>
       </p:sp>
       <p:sp>
         <p:nvSpPr>
-          <p:cNvPr id="3" name="副标题 2"/>
-          <p:cNvSpPr>
-            <a:spLocks noGrp="1"/>
-          </p:cNvSpPr>
-          <p:nvPr>
-            <p:ph type="subTitle" idx="1"/>
-          </p:nvPr>
+          <p:cNvPr id="2" name="文本框 1"/>
+          <p:cNvSpPr txBox="1"/>
+          <p:nvPr/>
         </p:nvSpPr>
-        <p:spPr/>
+        <p:spPr>
+          <a:xfrm>
+            <a:off x="4133462" y="2539123"/>
+            <a:ext cx="2547256" cy="923330"/>
+          </a:xfrm>
+          <a:prstGeom prst="rect">
+            <a:avLst/>
+          </a:prstGeom>
+          <a:noFill/>
+        </p:spPr>
         <p:txBody>
-          <a:bodyPr/>
+          <a:bodyPr wrap="square" rtlCol="0">
+            <a:spAutoFit/>
+          </a:bodyPr>
           <a:lstStyle/>
           <a:p>
-            <a:endParaRPr lang="zh-CN" altLang="en-US"/>
+            <a:pPr algn="just">
+              <a:lnSpc>
+                <a:spcPct val="150000"/>
+              </a:lnSpc>
+            </a:pPr>
+            <a:r>
+              <a:rPr lang="en-US" altLang="zh-CN" sz="3600" dirty="0">
+                <a:latin typeface="jkrFZYH" panose="02000000000000000000" pitchFamily="2" charset="-122"/>
+                <a:ea typeface="jkrFZYH" panose="02000000000000000000" pitchFamily="2" charset="-122"/>
+              </a:rPr>
+              <a:t>switch case</a:t>
+            </a:r>
           </a:p>
         </p:txBody>
       </p:sp>
     </p:spTree>
     <p:extLst>
       <p:ext uri="{BB962C8B-B14F-4D97-AF65-F5344CB8AC3E}">
-        <p14:creationId xmlns:p14="http://schemas.microsoft.com/office/powerpoint/2010/main" val="3101605123"/>
-      </p:ext>
-    </p:extLst>
-  </p:cSld>
-  <p:clrMapOvr>
-    <a:masterClrMapping/>
-  </p:clrMapOvr>
-</p:sld>
-</file>
-
-<file path=ppt/slides/slide11.xml><?xml version="1.0" encoding="utf-8"?>
-<p:sld xmlns:a="http://schemas.openxmlformats.org/drawingml/2006/main" xmlns:r="http://schemas.openxmlformats.org/officeDocument/2006/relationships" xmlns:p="http://schemas.openxmlformats.org/presentationml/2006/main">
-  <p:cSld>
-    <p:spTree>
-      <p:nvGrpSpPr>
-        <p:cNvPr id="1" name=""/>
-        <p:cNvGrpSpPr/>
-        <p:nvPr/>
-      </p:nvGrpSpPr>
-      <p:grpSpPr>
-        <a:xfrm>
-          <a:off x="0" y="0"/>
-          <a:ext cx="0" cy="0"/>
-          <a:chOff x="0" y="0"/>
-          <a:chExt cx="0" cy="0"/>
-        </a:xfrm>
-      </p:grpSpPr>
-      <p:sp>
-        <p:nvSpPr>
-          <p:cNvPr id="2" name="标题 1"/>
-          <p:cNvSpPr>
-            <a:spLocks noGrp="1"/>
-          </p:cNvSpPr>
-          <p:nvPr>
-            <p:ph type="ctrTitle"/>
-          </p:nvPr>
-        </p:nvSpPr>
-        <p:spPr/>
-        <p:txBody>
-          <a:bodyPr/>
-          <a:lstStyle/>
-          <a:p>
-            <a:endParaRPr lang="zh-CN" altLang="en-US"/>
-          </a:p>
-        </p:txBody>
-      </p:sp>
-      <p:sp>
-        <p:nvSpPr>
-          <p:cNvPr id="3" name="副标题 2"/>
-          <p:cNvSpPr>
-            <a:spLocks noGrp="1"/>
-          </p:cNvSpPr>
-          <p:nvPr>
-            <p:ph type="subTitle" idx="1"/>
-          </p:nvPr>
-        </p:nvSpPr>
-        <p:spPr/>
-        <p:txBody>
-          <a:bodyPr/>
-          <a:lstStyle/>
-          <a:p>
-            <a:endParaRPr lang="zh-CN" altLang="en-US"/>
-          </a:p>
-        </p:txBody>
-      </p:sp>
-    </p:spTree>
-    <p:extLst>
-      <p:ext uri="{BB962C8B-B14F-4D97-AF65-F5344CB8AC3E}">
-        <p14:creationId xmlns:p14="http://schemas.microsoft.com/office/powerpoint/2010/main" val="4036963712"/>
-      </p:ext>
-    </p:extLst>
-  </p:cSld>
-  <p:clrMapOvr>
-    <a:masterClrMapping/>
-  </p:clrMapOvr>
-</p:sld>
-</file>
-
-<file path=ppt/slides/slide12.xml><?xml version="1.0" encoding="utf-8"?>
-<p:sld xmlns:a="http://schemas.openxmlformats.org/drawingml/2006/main" xmlns:r="http://schemas.openxmlformats.org/officeDocument/2006/relationships" xmlns:p="http://schemas.openxmlformats.org/presentationml/2006/main">
-  <p:cSld>
-    <p:spTree>
-      <p:nvGrpSpPr>
-        <p:cNvPr id="1" name=""/>
-        <p:cNvGrpSpPr/>
-        <p:nvPr/>
-      </p:nvGrpSpPr>
-      <p:grpSpPr>
-        <a:xfrm>
-          <a:off x="0" y="0"/>
-          <a:ext cx="0" cy="0"/>
-          <a:chOff x="0" y="0"/>
-          <a:chExt cx="0" cy="0"/>
-        </a:xfrm>
-      </p:grpSpPr>
-      <p:sp>
-        <p:nvSpPr>
-          <p:cNvPr id="2" name="标题 1"/>
-          <p:cNvSpPr>
-            <a:spLocks noGrp="1"/>
-          </p:cNvSpPr>
-          <p:nvPr>
-            <p:ph type="ctrTitle"/>
-          </p:nvPr>
-        </p:nvSpPr>
-        <p:spPr/>
-        <p:txBody>
-          <a:bodyPr/>
-          <a:lstStyle/>
-          <a:p>
-            <a:endParaRPr lang="zh-CN" altLang="en-US"/>
-          </a:p>
-        </p:txBody>
-      </p:sp>
-      <p:sp>
-        <p:nvSpPr>
-          <p:cNvPr id="3" name="副标题 2"/>
-          <p:cNvSpPr>
-            <a:spLocks noGrp="1"/>
-          </p:cNvSpPr>
-          <p:nvPr>
-            <p:ph type="subTitle" idx="1"/>
-          </p:nvPr>
-        </p:nvSpPr>
-        <p:spPr/>
-        <p:txBody>
-          <a:bodyPr/>
-          <a:lstStyle/>
-          <a:p>
-            <a:endParaRPr lang="zh-CN" altLang="en-US"/>
-          </a:p>
-        </p:txBody>
-      </p:sp>
-    </p:spTree>
-    <p:extLst>
-      <p:ext uri="{BB962C8B-B14F-4D97-AF65-F5344CB8AC3E}">
-        <p14:creationId xmlns:p14="http://schemas.microsoft.com/office/powerpoint/2010/main" val="3054777629"/>
+        <p14:creationId xmlns:p14="http://schemas.microsoft.com/office/powerpoint/2010/main" val="104908227"/>
       </p:ext>
     </p:extLst>
   </p:cSld>
@@ -12675,8 +12572,8 @@
         </p:nvSpPr>
         <p:spPr>
           <a:xfrm>
-            <a:off x="3748217" y="1878227"/>
-            <a:ext cx="6870357" cy="2554545"/>
+            <a:off x="3085486" y="1727225"/>
+            <a:ext cx="8130594" cy="2862322"/>
           </a:xfrm>
           <a:prstGeom prst="rect">
             <a:avLst/>
@@ -12690,49 +12587,70 @@
           <a:lstStyle/>
           <a:p>
             <a:pPr marL="457200" indent="-457200">
+              <a:lnSpc>
+                <a:spcPct val="150000"/>
+              </a:lnSpc>
               <a:buFont typeface="Arial" panose="020B0604020202020204" pitchFamily="34" charset="0"/>
               <a:buChar char="•"/>
             </a:pPr>
             <a:r>
-              <a:rPr lang="zh-CN" altLang="en-US" sz="3200" dirty="0" smtClean="0"/>
+              <a:rPr lang="zh-CN" altLang="en-US" sz="4000" dirty="0">
+                <a:latin typeface="jkrFZYH" panose="02000000000000000000" pitchFamily="2" charset="-122"/>
+                <a:ea typeface="jkrFZYH" panose="02000000000000000000" pitchFamily="2" charset="-122"/>
+              </a:rPr>
               <a:t>语法树生成</a:t>
             </a:r>
-            <a:endParaRPr lang="en-US" altLang="zh-CN" sz="3200" dirty="0" smtClean="0"/>
+            <a:endParaRPr lang="en-US" altLang="zh-CN" sz="4000" dirty="0">
+              <a:latin typeface="jkrFZYH" panose="02000000000000000000" pitchFamily="2" charset="-122"/>
+              <a:ea typeface="jkrFZYH" panose="02000000000000000000" pitchFamily="2" charset="-122"/>
+            </a:endParaRPr>
           </a:p>
           <a:p>
             <a:pPr marL="457200" indent="-457200">
-              <a:buFont typeface="Arial" panose="020B0604020202020204" pitchFamily="34" charset="0"/>
-              <a:buChar char="•"/>
-            </a:pPr>
-            <a:endParaRPr lang="en-US" altLang="zh-CN" sz="3200" dirty="0"/>
-          </a:p>
-          <a:p>
-            <a:pPr marL="457200" indent="-457200">
+              <a:lnSpc>
+                <a:spcPct val="150000"/>
+              </a:lnSpc>
               <a:buFont typeface="Arial" panose="020B0604020202020204" pitchFamily="34" charset="0"/>
               <a:buChar char="•"/>
             </a:pPr>
             <a:r>
-              <a:rPr lang="zh-CN" altLang="en-US" sz="3200" dirty="0" smtClean="0"/>
-              <a:t>变量表生成</a:t>
+              <a:rPr lang="zh-CN" altLang="en-US" sz="4000" dirty="0">
+                <a:latin typeface="jkrFZYH" panose="02000000000000000000" pitchFamily="2" charset="-122"/>
+                <a:ea typeface="jkrFZYH" panose="02000000000000000000" pitchFamily="2" charset="-122"/>
+              </a:rPr>
+              <a:t>遍历执行</a:t>
             </a:r>
-            <a:endParaRPr lang="en-US" altLang="zh-CN" sz="3200" dirty="0" smtClean="0"/>
+            <a:r>
+              <a:rPr lang="zh-CN" altLang="en-US" sz="4000" dirty="0">
+                <a:latin typeface="jkrFZYH" panose="02000000000000000000" pitchFamily="2" charset="-122"/>
+                <a:ea typeface="jkrFZYH" panose="02000000000000000000" pitchFamily="2" charset="-122"/>
+              </a:rPr>
+              <a:t>语法树</a:t>
+            </a:r>
+            <a:endParaRPr lang="en-US" altLang="zh-CN" sz="4000" dirty="0">
+              <a:latin typeface="jkrFZYH" panose="02000000000000000000" pitchFamily="2" charset="-122"/>
+              <a:ea typeface="jkrFZYH" panose="02000000000000000000" pitchFamily="2" charset="-122"/>
+            </a:endParaRPr>
           </a:p>
           <a:p>
             <a:pPr marL="457200" indent="-457200">
-              <a:buFont typeface="Arial" panose="020B0604020202020204" pitchFamily="34" charset="0"/>
-              <a:buChar char="•"/>
-            </a:pPr>
-            <a:endParaRPr lang="en-US" altLang="zh-CN" sz="3200" dirty="0"/>
-          </a:p>
-          <a:p>
-            <a:pPr marL="457200" indent="-457200">
+              <a:lnSpc>
+                <a:spcPct val="150000"/>
+              </a:lnSpc>
               <a:buFont typeface="Arial" panose="020B0604020202020204" pitchFamily="34" charset="0"/>
               <a:buChar char="•"/>
             </a:pPr>
             <a:r>
-              <a:rPr lang="zh-CN" altLang="en-US" sz="3200" dirty="0" smtClean="0"/>
-              <a:t>语法树遍历执行</a:t>
+              <a:rPr lang="zh-CN" altLang="en-US" sz="4000" dirty="0">
+                <a:latin typeface="jkrFZYH" panose="02000000000000000000" pitchFamily="2" charset="-122"/>
+                <a:ea typeface="jkrFZYH" panose="02000000000000000000" pitchFamily="2" charset="-122"/>
+              </a:rPr>
+              <a:t>符号表和类型检查</a:t>
             </a:r>
+            <a:endParaRPr lang="zh-CN" altLang="en-US" sz="4000" dirty="0">
+              <a:latin typeface="jkrFZYH" panose="02000000000000000000" pitchFamily="2" charset="-122"/>
+              <a:ea typeface="jkrFZYH" panose="02000000000000000000" pitchFamily="2" charset="-122"/>
+            </a:endParaRPr>
           </a:p>
         </p:txBody>
       </p:sp>
@@ -12746,13 +12664,6 @@
   <p:clrMapOvr>
     <a:masterClrMapping/>
   </p:clrMapOvr>
-  <p:timing>
-    <p:tnLst>
-      <p:par>
-        <p:cTn id="1" dur="indefinite" restart="never" nodeType="tmRoot"/>
-      </p:par>
-    </p:tnLst>
-  </p:timing>
 </p:sld>
 </file>
 
@@ -12781,8 +12692,8 @@
         </p:nvSpPr>
         <p:spPr>
           <a:xfrm>
-            <a:off x="9555892" y="337751"/>
-            <a:ext cx="2134280" cy="523220"/>
+            <a:off x="7759817" y="279028"/>
+            <a:ext cx="3402454" cy="646331"/>
           </a:xfrm>
           <a:prstGeom prst="rect">
             <a:avLst/>
@@ -12796,10 +12707,12 @@
           <a:lstStyle/>
           <a:p>
             <a:r>
-              <a:rPr lang="zh-CN" altLang="en-US" sz="2800" dirty="0" smtClean="0"/>
+              <a:rPr lang="zh-CN" altLang="en-US" sz="3600" dirty="0">
+                <a:latin typeface="jkrFZYH" panose="02000000000000000000" pitchFamily="2" charset="-122"/>
+                <a:ea typeface="jkrFZYH" panose="02000000000000000000" pitchFamily="2" charset="-122"/>
+              </a:rPr>
               <a:t>语法树生成</a:t>
             </a:r>
-            <a:endParaRPr lang="zh-CN" altLang="en-US" sz="2800" dirty="0"/>
           </a:p>
         </p:txBody>
       </p:sp>
@@ -12825,7 +12738,7 @@
         </p:blipFill>
         <p:spPr>
           <a:xfrm>
-            <a:off x="5491381" y="1033965"/>
+            <a:off x="5491381" y="925359"/>
             <a:ext cx="5670890" cy="5132173"/>
           </a:xfrm>
           <a:prstGeom prst="rect">
@@ -12895,13 +12808,6 @@
   <p:clrMapOvr>
     <a:masterClrMapping/>
   </p:clrMapOvr>
-  <p:timing>
-    <p:tnLst>
-      <p:par>
-        <p:cTn id="1" dur="indefinite" restart="never" nodeType="tmRoot"/>
-      </p:par>
-    </p:tnLst>
-  </p:timing>
 </p:sld>
 </file>
 
@@ -12924,14 +12830,14 @@
       </p:grpSpPr>
       <p:sp>
         <p:nvSpPr>
-          <p:cNvPr id="4" name="文本框 3"/>
+          <p:cNvPr id="5" name="文本框 4"/>
           <p:cNvSpPr txBox="1"/>
           <p:nvPr/>
         </p:nvSpPr>
         <p:spPr>
           <a:xfrm>
-            <a:off x="9489990" y="510745"/>
-            <a:ext cx="2134280" cy="523220"/>
+            <a:off x="2339546" y="1235676"/>
+            <a:ext cx="7654298" cy="1877437"/>
           </a:xfrm>
           <a:prstGeom prst="rect">
             <a:avLst/>
@@ -12945,81 +12851,83 @@
           <a:lstStyle/>
           <a:p>
             <a:r>
-              <a:rPr lang="zh-CN" altLang="en-US" sz="2800" dirty="0" smtClean="0"/>
-              <a:t>语法树生成</a:t>
-            </a:r>
-            <a:endParaRPr lang="zh-CN" altLang="en-US" sz="2800" dirty="0"/>
-          </a:p>
-        </p:txBody>
-      </p:sp>
-      <p:sp>
-        <p:nvSpPr>
-          <p:cNvPr id="5" name="文本框 4"/>
-          <p:cNvSpPr txBox="1"/>
-          <p:nvPr/>
-        </p:nvSpPr>
-        <p:spPr>
-          <a:xfrm>
-            <a:off x="2339546" y="1235676"/>
-            <a:ext cx="6689124" cy="1692771"/>
-          </a:xfrm>
-          <a:prstGeom prst="rect">
-            <a:avLst/>
-          </a:prstGeom>
-          <a:noFill/>
-        </p:spPr>
-        <p:txBody>
-          <a:bodyPr wrap="square" rtlCol="0">
-            <a:spAutoFit/>
-          </a:bodyPr>
-          <a:lstStyle/>
-          <a:p>
-            <a:r>
-              <a:rPr lang="zh-CN" altLang="en-US" dirty="0" smtClean="0"/>
+              <a:rPr lang="zh-CN" altLang="en-US" sz="2000" dirty="0">
+                <a:latin typeface="jkrFZYH" panose="02000000000000000000" pitchFamily="2" charset="-122"/>
+                <a:ea typeface="jkrFZYH" panose="02000000000000000000" pitchFamily="2" charset="-122"/>
+              </a:rPr>
               <a:t>使用了</a:t>
             </a:r>
             <a:r>
-              <a:rPr lang="en-US" altLang="zh-CN" dirty="0" err="1" smtClean="0"/>
+              <a:rPr lang="en-US" altLang="zh-CN" sz="2000" dirty="0" err="1">
+                <a:latin typeface="jkrFZYH" panose="02000000000000000000" pitchFamily="2" charset="-122"/>
+                <a:ea typeface="jkrFZYH" panose="02000000000000000000" pitchFamily="2" charset="-122"/>
+              </a:rPr>
               <a:t>pegjs</a:t>
             </a:r>
             <a:r>
-              <a:rPr lang="zh-CN" altLang="en-US" dirty="0" smtClean="0"/>
+              <a:rPr lang="zh-CN" altLang="en-US" sz="2000" dirty="0">
+                <a:latin typeface="jkrFZYH" panose="02000000000000000000" pitchFamily="2" charset="-122"/>
+                <a:ea typeface="jkrFZYH" panose="02000000000000000000" pitchFamily="2" charset="-122"/>
+              </a:rPr>
               <a:t>开源库辅助完成词法分析任务</a:t>
             </a:r>
             <a:r>
-              <a:rPr lang="en-US" altLang="zh-CN" dirty="0" smtClean="0"/>
+              <a:rPr lang="en-US" altLang="zh-CN" sz="2000" dirty="0">
+                <a:latin typeface="jkrFZYH" panose="02000000000000000000" pitchFamily="2" charset="-122"/>
+                <a:ea typeface="jkrFZYH" panose="02000000000000000000" pitchFamily="2" charset="-122"/>
+              </a:rPr>
               <a:t>: </a:t>
             </a:r>
             <a:r>
-              <a:rPr lang="en-US" altLang="zh-CN" sz="3200" dirty="0" err="1" smtClean="0"/>
+              <a:rPr lang="en-US" altLang="zh-CN" sz="3600" dirty="0" err="1">
+                <a:latin typeface="jkrFZYH" panose="02000000000000000000" pitchFamily="2" charset="-122"/>
+                <a:ea typeface="jkrFZYH" panose="02000000000000000000" pitchFamily="2" charset="-122"/>
+              </a:rPr>
               <a:t>Github</a:t>
             </a:r>
             <a:r>
-              <a:rPr lang="en-US" altLang="zh-CN" sz="3200" dirty="0" smtClean="0"/>
+              <a:rPr lang="en-US" altLang="zh-CN" sz="3600" dirty="0">
+                <a:latin typeface="jkrFZYH" panose="02000000000000000000" pitchFamily="2" charset="-122"/>
+                <a:ea typeface="jkrFZYH" panose="02000000000000000000" pitchFamily="2" charset="-122"/>
+              </a:rPr>
               <a:t>/</a:t>
             </a:r>
             <a:r>
-              <a:rPr lang="en-US" altLang="zh-CN" sz="3200" dirty="0" err="1" smtClean="0"/>
+              <a:rPr lang="en-US" altLang="zh-CN" sz="3600" dirty="0" err="1">
+                <a:latin typeface="jkrFZYH" panose="02000000000000000000" pitchFamily="2" charset="-122"/>
+                <a:ea typeface="jkrFZYH" panose="02000000000000000000" pitchFamily="2" charset="-122"/>
+              </a:rPr>
               <a:t>pegjs</a:t>
             </a:r>
-            <a:endParaRPr lang="en-US" altLang="zh-CN" sz="3200" dirty="0" smtClean="0"/>
-          </a:p>
-          <a:p>
-            <a:endParaRPr lang="en-US" altLang="zh-CN" dirty="0" smtClean="0"/>
+            <a:endParaRPr lang="en-US" altLang="zh-CN" sz="3600" dirty="0">
+              <a:latin typeface="jkrFZYH" panose="02000000000000000000" pitchFamily="2" charset="-122"/>
+              <a:ea typeface="jkrFZYH" panose="02000000000000000000" pitchFamily="2" charset="-122"/>
+            </a:endParaRPr>
+          </a:p>
+          <a:p>
+            <a:endParaRPr lang="en-US" altLang="zh-CN" sz="2000" dirty="0">
+              <a:latin typeface="jkrFZYH" panose="02000000000000000000" pitchFamily="2" charset="-122"/>
+              <a:ea typeface="jkrFZYH" panose="02000000000000000000" pitchFamily="2" charset="-122"/>
+            </a:endParaRPr>
           </a:p>
           <a:p>
             <a:r>
-              <a:rPr lang="en-US" altLang="zh-CN" dirty="0" smtClean="0"/>
-              <a:t>PEG.js </a:t>
+              <a:rPr lang="en-US" altLang="zh-CN" sz="2000" dirty="0">
+                <a:latin typeface="jkrFZYH" panose="02000000000000000000" pitchFamily="2" charset="-122"/>
+                <a:ea typeface="jkrFZYH" panose="02000000000000000000" pitchFamily="2" charset="-122"/>
+              </a:rPr>
+              <a:t>PEG.js is a simple parser generator for JavaScript that produces fast parsers with excellent error reporting. </a:t>
             </a:r>
-            <a:r>
-              <a:rPr lang="en-US" altLang="zh-CN" dirty="0"/>
-              <a:t>is a simple parser generator for JavaScript that produces fast parsers with excellent error reporting. </a:t>
-            </a:r>
-            <a:endParaRPr lang="zh-CN" altLang="en-US" dirty="0"/>
-          </a:p>
-          <a:p>
-            <a:endParaRPr lang="zh-CN" altLang="en-US" dirty="0"/>
+            <a:endParaRPr lang="zh-CN" altLang="en-US" sz="2000" dirty="0">
+              <a:latin typeface="jkrFZYH" panose="02000000000000000000" pitchFamily="2" charset="-122"/>
+              <a:ea typeface="jkrFZYH" panose="02000000000000000000" pitchFamily="2" charset="-122"/>
+            </a:endParaRPr>
+          </a:p>
+          <a:p>
+            <a:endParaRPr lang="zh-CN" altLang="en-US" sz="2000" dirty="0">
+              <a:latin typeface="jkrFZYH" panose="02000000000000000000" pitchFamily="2" charset="-122"/>
+              <a:ea typeface="jkrFZYH" panose="02000000000000000000" pitchFamily="2" charset="-122"/>
+            </a:endParaRPr>
           </a:p>
         </p:txBody>
       </p:sp>
@@ -13053,6 +12961,38 @@
           </a:prstGeom>
         </p:spPr>
       </p:pic>
+      <p:sp>
+        <p:nvSpPr>
+          <p:cNvPr id="7" name="文本框 6"/>
+          <p:cNvSpPr txBox="1"/>
+          <p:nvPr/>
+        </p:nvSpPr>
+        <p:spPr>
+          <a:xfrm>
+            <a:off x="7759817" y="279028"/>
+            <a:ext cx="3402454" cy="646331"/>
+          </a:xfrm>
+          <a:prstGeom prst="rect">
+            <a:avLst/>
+          </a:prstGeom>
+          <a:noFill/>
+        </p:spPr>
+        <p:txBody>
+          <a:bodyPr wrap="square" rtlCol="0">
+            <a:spAutoFit/>
+          </a:bodyPr>
+          <a:lstStyle/>
+          <a:p>
+            <a:r>
+              <a:rPr lang="zh-CN" altLang="en-US" sz="3600" dirty="0">
+                <a:latin typeface="jkrFZYH" panose="02000000000000000000" pitchFamily="2" charset="-122"/>
+                <a:ea typeface="jkrFZYH" panose="02000000000000000000" pitchFamily="2" charset="-122"/>
+              </a:rPr>
+              <a:t>语法树生成</a:t>
+            </a:r>
+          </a:p>
+        </p:txBody>
+      </p:sp>
     </p:spTree>
     <p:extLst>
       <p:ext uri="{BB962C8B-B14F-4D97-AF65-F5344CB8AC3E}">
@@ -13063,13 +13003,6 @@
   <p:clrMapOvr>
     <a:masterClrMapping/>
   </p:clrMapOvr>
-  <p:timing>
-    <p:tnLst>
-      <p:par>
-        <p:cTn id="1" dur="indefinite" restart="never" nodeType="tmRoot"/>
-      </p:par>
-    </p:tnLst>
-  </p:timing>
 </p:sld>
 </file>
 
@@ -13090,36 +13023,6 @@
           <a:chExt cx="0" cy="0"/>
         </a:xfrm>
       </p:grpSpPr>
-      <p:sp>
-        <p:nvSpPr>
-          <p:cNvPr id="4" name="文本框 3"/>
-          <p:cNvSpPr txBox="1"/>
-          <p:nvPr/>
-        </p:nvSpPr>
-        <p:spPr>
-          <a:xfrm>
-            <a:off x="9489990" y="510745"/>
-            <a:ext cx="2134280" cy="523220"/>
-          </a:xfrm>
-          <a:prstGeom prst="rect">
-            <a:avLst/>
-          </a:prstGeom>
-          <a:noFill/>
-        </p:spPr>
-        <p:txBody>
-          <a:bodyPr wrap="square" rtlCol="0">
-            <a:spAutoFit/>
-          </a:bodyPr>
-          <a:lstStyle/>
-          <a:p>
-            <a:r>
-              <a:rPr lang="zh-CN" altLang="en-US" sz="2800" dirty="0" smtClean="0"/>
-              <a:t>语法树生成</a:t>
-            </a:r>
-            <a:endParaRPr lang="zh-CN" altLang="en-US" sz="2800" dirty="0"/>
-          </a:p>
-        </p:txBody>
-      </p:sp>
       <p:sp>
         <p:nvSpPr>
           <p:cNvPr id="5" name="矩形 4"/>
@@ -13302,6 +13205,38 @@
           </a:fontRef>
         </p:style>
       </p:cxnSp>
+      <p:sp>
+        <p:nvSpPr>
+          <p:cNvPr id="8" name="文本框 7"/>
+          <p:cNvSpPr txBox="1"/>
+          <p:nvPr/>
+        </p:nvSpPr>
+        <p:spPr>
+          <a:xfrm>
+            <a:off x="7759817" y="279028"/>
+            <a:ext cx="3402454" cy="646331"/>
+          </a:xfrm>
+          <a:prstGeom prst="rect">
+            <a:avLst/>
+          </a:prstGeom>
+          <a:noFill/>
+        </p:spPr>
+        <p:txBody>
+          <a:bodyPr wrap="square" rtlCol="0">
+            <a:spAutoFit/>
+          </a:bodyPr>
+          <a:lstStyle/>
+          <a:p>
+            <a:r>
+              <a:rPr lang="zh-CN" altLang="en-US" sz="3600" dirty="0">
+                <a:latin typeface="jkrFZYH" panose="02000000000000000000" pitchFamily="2" charset="-122"/>
+                <a:ea typeface="jkrFZYH" panose="02000000000000000000" pitchFamily="2" charset="-122"/>
+              </a:rPr>
+              <a:t>语法树生成</a:t>
+            </a:r>
+          </a:p>
+        </p:txBody>
+      </p:sp>
     </p:spTree>
     <p:extLst>
       <p:ext uri="{BB962C8B-B14F-4D97-AF65-F5344CB8AC3E}">
@@ -13573,36 +13508,6 @@
       </p:grpSpPr>
       <p:sp>
         <p:nvSpPr>
-          <p:cNvPr id="4" name="文本框 3"/>
-          <p:cNvSpPr txBox="1"/>
-          <p:nvPr/>
-        </p:nvSpPr>
-        <p:spPr>
-          <a:xfrm>
-            <a:off x="9489990" y="510745"/>
-            <a:ext cx="2134280" cy="523220"/>
-          </a:xfrm>
-          <a:prstGeom prst="rect">
-            <a:avLst/>
-          </a:prstGeom>
-          <a:noFill/>
-        </p:spPr>
-        <p:txBody>
-          <a:bodyPr wrap="square" rtlCol="0">
-            <a:spAutoFit/>
-          </a:bodyPr>
-          <a:lstStyle/>
-          <a:p>
-            <a:r>
-              <a:rPr lang="zh-CN" altLang="en-US" sz="2800" dirty="0" smtClean="0"/>
-              <a:t>语法树生成</a:t>
-            </a:r>
-            <a:endParaRPr lang="zh-CN" altLang="en-US" sz="2800" dirty="0"/>
-          </a:p>
-        </p:txBody>
-      </p:sp>
-      <p:sp>
-        <p:nvSpPr>
           <p:cNvPr id="5" name="矩形 4"/>
           <p:cNvSpPr/>
           <p:nvPr/>
@@ -13623,12 +13528,8 @@
           <a:lstStyle/>
           <a:p>
             <a:r>
-              <a:rPr lang="zh-CN" altLang="en-US" sz="3600" dirty="0" smtClean="0"/>
-              <a:t>if </a:t>
-            </a:r>
-            <a:r>
               <a:rPr lang="zh-CN" altLang="en-US" sz="3600" dirty="0"/>
-              <a:t>age &gt;= 18:</a:t>
+              <a:t>if age &gt;= 18:</a:t>
             </a:r>
           </a:p>
           <a:p>
@@ -13839,6 +13740,38 @@
           </a:prstGeom>
         </p:spPr>
       </p:pic>
+      <p:sp>
+        <p:nvSpPr>
+          <p:cNvPr id="11" name="文本框 10"/>
+          <p:cNvSpPr txBox="1"/>
+          <p:nvPr/>
+        </p:nvSpPr>
+        <p:spPr>
+          <a:xfrm>
+            <a:off x="7759817" y="279028"/>
+            <a:ext cx="3402454" cy="646331"/>
+          </a:xfrm>
+          <a:prstGeom prst="rect">
+            <a:avLst/>
+          </a:prstGeom>
+          <a:noFill/>
+        </p:spPr>
+        <p:txBody>
+          <a:bodyPr wrap="square" rtlCol="0">
+            <a:spAutoFit/>
+          </a:bodyPr>
+          <a:lstStyle/>
+          <a:p>
+            <a:r>
+              <a:rPr lang="zh-CN" altLang="en-US" sz="3600" dirty="0">
+                <a:latin typeface="jkrFZYH" panose="02000000000000000000" pitchFamily="2" charset="-122"/>
+                <a:ea typeface="jkrFZYH" panose="02000000000000000000" pitchFamily="2" charset="-122"/>
+              </a:rPr>
+              <a:t>语法树生成</a:t>
+            </a:r>
+          </a:p>
+        </p:txBody>
+      </p:sp>
     </p:spTree>
     <p:extLst>
       <p:ext uri="{BB962C8B-B14F-4D97-AF65-F5344CB8AC3E}">
@@ -14256,14 +14189,14 @@
       </p:grpSpPr>
       <p:sp>
         <p:nvSpPr>
-          <p:cNvPr id="4" name="文本框 3"/>
+          <p:cNvPr id="3" name="文本框 2"/>
           <p:cNvSpPr txBox="1"/>
           <p:nvPr/>
         </p:nvSpPr>
         <p:spPr>
           <a:xfrm>
-            <a:off x="9489990" y="510745"/>
-            <a:ext cx="2134280" cy="523220"/>
+            <a:off x="6559420" y="279028"/>
+            <a:ext cx="4602851" cy="923330"/>
           </a:xfrm>
           <a:prstGeom prst="rect">
             <a:avLst/>
@@ -14276,14 +14209,138 @@
           </a:bodyPr>
           <a:lstStyle/>
           <a:p>
+            <a:pPr marL="457200" indent="-457200">
+              <a:lnSpc>
+                <a:spcPct val="150000"/>
+              </a:lnSpc>
+              <a:buFont typeface="Arial" panose="020B0604020202020204" pitchFamily="34" charset="0"/>
+              <a:buChar char="•"/>
+            </a:pPr>
             <a:r>
-              <a:rPr lang="zh-CN" altLang="en-US" sz="2800" dirty="0"/>
-              <a:t>变量表生成</a:t>
+              <a:rPr lang="zh-CN" altLang="en-US" sz="3600" dirty="0">
+                <a:latin typeface="jkrFZYH" panose="02000000000000000000" pitchFamily="2" charset="-122"/>
+                <a:ea typeface="jkrFZYH" panose="02000000000000000000" pitchFamily="2" charset="-122"/>
+              </a:rPr>
+              <a:t>符号表和类型检查</a:t>
             </a:r>
-            <a:endParaRPr lang="en-US" altLang="zh-CN" sz="2800" dirty="0"/>
           </a:p>
         </p:txBody>
       </p:sp>
+      <p:sp>
+        <p:nvSpPr>
+          <p:cNvPr id="2" name="文本框 1"/>
+          <p:cNvSpPr txBox="1"/>
+          <p:nvPr/>
+        </p:nvSpPr>
+        <p:spPr>
+          <a:xfrm>
+            <a:off x="2448388" y="1202358"/>
+            <a:ext cx="3073277" cy="2677656"/>
+          </a:xfrm>
+          <a:prstGeom prst="rect">
+            <a:avLst/>
+          </a:prstGeom>
+          <a:noFill/>
+        </p:spPr>
+        <p:txBody>
+          <a:bodyPr wrap="none" rtlCol="0">
+            <a:spAutoFit/>
+          </a:bodyPr>
+          <a:lstStyle/>
+          <a:p>
+            <a:pPr>
+              <a:lnSpc>
+                <a:spcPct val="200000"/>
+              </a:lnSpc>
+            </a:pPr>
+            <a:r>
+              <a:rPr lang="zh-CN" altLang="en-US" sz="2800" dirty="0">
+                <a:latin typeface="jkrFZYH" panose="02000000000000000000" pitchFamily="2" charset="-122"/>
+                <a:ea typeface="jkrFZYH" panose="02000000000000000000" pitchFamily="2" charset="-122"/>
+              </a:rPr>
+              <a:t>一些</a:t>
+            </a:r>
+            <a:r>
+              <a:rPr lang="en-US" altLang="zh-CN" sz="2800" dirty="0">
+                <a:latin typeface="jkrFZYH" panose="02000000000000000000" pitchFamily="2" charset="-122"/>
+                <a:ea typeface="jkrFZYH" panose="02000000000000000000" pitchFamily="2" charset="-122"/>
+              </a:rPr>
+              <a:t>Python</a:t>
+            </a:r>
+            <a:r>
+              <a:rPr lang="zh-CN" altLang="en-US" sz="2800" dirty="0">
+                <a:latin typeface="jkrFZYH" panose="02000000000000000000" pitchFamily="2" charset="-122"/>
+                <a:ea typeface="jkrFZYH" panose="02000000000000000000" pitchFamily="2" charset="-122"/>
+              </a:rPr>
+              <a:t>特性：</a:t>
+            </a:r>
+            <a:endParaRPr lang="en-US" altLang="zh-CN" sz="2800" dirty="0">
+              <a:latin typeface="jkrFZYH" panose="02000000000000000000" pitchFamily="2" charset="-122"/>
+              <a:ea typeface="jkrFZYH" panose="02000000000000000000" pitchFamily="2" charset="-122"/>
+            </a:endParaRPr>
+          </a:p>
+          <a:p>
+            <a:pPr marL="457200" indent="-457200">
+              <a:lnSpc>
+                <a:spcPct val="200000"/>
+              </a:lnSpc>
+              <a:buFont typeface="Arial" panose="020B0604020202020204" pitchFamily="34" charset="0"/>
+              <a:buChar char="•"/>
+            </a:pPr>
+            <a:r>
+              <a:rPr lang="zh-CN" altLang="en-US" sz="2800" dirty="0">
+                <a:latin typeface="jkrFZYH" panose="02000000000000000000" pitchFamily="2" charset="-122"/>
+                <a:ea typeface="jkrFZYH" panose="02000000000000000000" pitchFamily="2" charset="-122"/>
+              </a:rPr>
+              <a:t>动态类型检查</a:t>
+            </a:r>
+            <a:endParaRPr lang="en-US" altLang="zh-CN" sz="2800" dirty="0">
+              <a:latin typeface="jkrFZYH" panose="02000000000000000000" pitchFamily="2" charset="-122"/>
+              <a:ea typeface="jkrFZYH" panose="02000000000000000000" pitchFamily="2" charset="-122"/>
+            </a:endParaRPr>
+          </a:p>
+          <a:p>
+            <a:pPr marL="457200" indent="-457200">
+              <a:lnSpc>
+                <a:spcPct val="200000"/>
+              </a:lnSpc>
+              <a:buFont typeface="Arial" panose="020B0604020202020204" pitchFamily="34" charset="0"/>
+              <a:buChar char="•"/>
+            </a:pPr>
+            <a:r>
+              <a:rPr lang="en-US" altLang="zh-CN" sz="2800" dirty="0">
+                <a:latin typeface="jkrFZYH" panose="02000000000000000000" pitchFamily="2" charset="-122"/>
+                <a:ea typeface="jkrFZYH" panose="02000000000000000000" pitchFamily="2" charset="-122"/>
+              </a:rPr>
+              <a:t>Object</a:t>
+            </a:r>
+          </a:p>
+        </p:txBody>
+      </p:sp>
+      <p:pic>
+        <p:nvPicPr>
+          <p:cNvPr id="6" name="图片 5"/>
+          <p:cNvPicPr>
+            <a:picLocks noChangeAspect="1"/>
+          </p:cNvPicPr>
+          <p:nvPr/>
+        </p:nvPicPr>
+        <p:blipFill>
+          <a:blip r:embed="rId2"/>
+          <a:stretch>
+            <a:fillRect/>
+          </a:stretch>
+        </p:blipFill>
+        <p:spPr>
+          <a:xfrm>
+            <a:off x="6697321" y="1874968"/>
+            <a:ext cx="4400000" cy="2371429"/>
+          </a:xfrm>
+          <a:prstGeom prst="rect">
+            <a:avLst/>
+          </a:prstGeom>
+        </p:spPr>
+      </p:pic>
     </p:spTree>
     <p:extLst>
       <p:ext uri="{BB962C8B-B14F-4D97-AF65-F5344CB8AC3E}">
@@ -14294,13 +14351,6 @@
   <p:clrMapOvr>
     <a:masterClrMapping/>
   </p:clrMapOvr>
-  <p:timing>
-    <p:tnLst>
-      <p:par>
-        <p:cTn id="1" dur="indefinite" restart="never" nodeType="tmRoot"/>
-      </p:par>
-    </p:tnLst>
-  </p:timing>
 </p:sld>
 </file>
 
@@ -14323,14 +14373,14 @@
       </p:grpSpPr>
       <p:sp>
         <p:nvSpPr>
-          <p:cNvPr id="4" name="文本框 3"/>
+          <p:cNvPr id="3" name="文本框 2"/>
           <p:cNvSpPr txBox="1"/>
           <p:nvPr/>
         </p:nvSpPr>
         <p:spPr>
           <a:xfrm>
-            <a:off x="8839200" y="510745"/>
-            <a:ext cx="2785070" cy="523220"/>
+            <a:off x="6559420" y="279028"/>
+            <a:ext cx="4602851" cy="923330"/>
           </a:xfrm>
           <a:prstGeom prst="rect">
             <a:avLst/>
@@ -14343,31 +14393,189 @@
           </a:bodyPr>
           <a:lstStyle/>
           <a:p>
+            <a:pPr marL="457200" indent="-457200">
+              <a:lnSpc>
+                <a:spcPct val="150000"/>
+              </a:lnSpc>
+              <a:buFont typeface="Arial" panose="020B0604020202020204" pitchFamily="34" charset="0"/>
+              <a:buChar char="•"/>
+            </a:pPr>
             <a:r>
-              <a:rPr lang="zh-CN" altLang="en-US" sz="2800" dirty="0"/>
-              <a:t>语法树遍历执行</a:t>
+              <a:rPr lang="zh-CN" altLang="en-US" sz="3600" dirty="0">
+                <a:latin typeface="jkrFZYH" panose="02000000000000000000" pitchFamily="2" charset="-122"/>
+                <a:ea typeface="jkrFZYH" panose="02000000000000000000" pitchFamily="2" charset="-122"/>
+              </a:rPr>
+              <a:t>符号表和类型检查</a:t>
             </a:r>
-            <a:endParaRPr lang="en-US" altLang="zh-CN" sz="2800" dirty="0"/>
+          </a:p>
+        </p:txBody>
+      </p:sp>
+      <p:sp>
+        <p:nvSpPr>
+          <p:cNvPr id="2" name="文本框 1"/>
+          <p:cNvSpPr txBox="1"/>
+          <p:nvPr/>
+        </p:nvSpPr>
+        <p:spPr>
+          <a:xfrm>
+            <a:off x="2211356" y="1363467"/>
+            <a:ext cx="8950915" cy="5078313"/>
+          </a:xfrm>
+          <a:prstGeom prst="rect">
+            <a:avLst/>
+          </a:prstGeom>
+          <a:noFill/>
+        </p:spPr>
+        <p:txBody>
+          <a:bodyPr wrap="square" rtlCol="0">
+            <a:spAutoFit/>
+          </a:bodyPr>
+          <a:lstStyle/>
+          <a:p>
+            <a:pPr algn="just">
+              <a:lnSpc>
+                <a:spcPct val="150000"/>
+              </a:lnSpc>
+            </a:pPr>
+            <a:r>
+              <a:rPr lang="zh-CN" altLang="en-US" sz="2800" dirty="0">
+                <a:latin typeface="jkrFZYH" panose="02000000000000000000" pitchFamily="2" charset="-122"/>
+                <a:ea typeface="jkrFZYH" panose="02000000000000000000" pitchFamily="2" charset="-122"/>
+              </a:rPr>
+              <a:t>一些</a:t>
+            </a:r>
+            <a:r>
+              <a:rPr lang="en-US" altLang="zh-CN" sz="2800" dirty="0">
+                <a:latin typeface="jkrFZYH" panose="02000000000000000000" pitchFamily="2" charset="-122"/>
+                <a:ea typeface="jkrFZYH" panose="02000000000000000000" pitchFamily="2" charset="-122"/>
+              </a:rPr>
+              <a:t>Python</a:t>
+            </a:r>
+            <a:r>
+              <a:rPr lang="zh-CN" altLang="en-US" sz="2800" dirty="0">
+                <a:latin typeface="jkrFZYH" panose="02000000000000000000" pitchFamily="2" charset="-122"/>
+                <a:ea typeface="jkrFZYH" panose="02000000000000000000" pitchFamily="2" charset="-122"/>
+              </a:rPr>
+              <a:t>特性：</a:t>
+            </a:r>
+            <a:endParaRPr lang="en-US" altLang="zh-CN" sz="2800" dirty="0">
+              <a:latin typeface="jkrFZYH" panose="02000000000000000000" pitchFamily="2" charset="-122"/>
+              <a:ea typeface="jkrFZYH" panose="02000000000000000000" pitchFamily="2" charset="-122"/>
+            </a:endParaRPr>
+          </a:p>
+          <a:p>
+            <a:pPr marL="457200" indent="-457200" algn="just">
+              <a:lnSpc>
+                <a:spcPct val="150000"/>
+              </a:lnSpc>
+              <a:buFont typeface="Arial" panose="020B0604020202020204" pitchFamily="34" charset="0"/>
+              <a:buChar char="•"/>
+            </a:pPr>
+            <a:r>
+              <a:rPr lang="en-US" altLang="zh-CN" sz="2800" dirty="0">
+                <a:latin typeface="jkrFZYH" panose="02000000000000000000" pitchFamily="2" charset="-122"/>
+                <a:ea typeface="jkrFZYH" panose="02000000000000000000" pitchFamily="2" charset="-122"/>
+              </a:rPr>
+              <a:t>Scoping Rule: LEGB Rule.</a:t>
+            </a:r>
+          </a:p>
+          <a:p>
+            <a:pPr marL="914400" lvl="1" indent="-457200" algn="just">
+              <a:lnSpc>
+                <a:spcPct val="150000"/>
+              </a:lnSpc>
+              <a:buFont typeface="Arial" panose="020B0604020202020204" pitchFamily="34" charset="0"/>
+              <a:buChar char="•"/>
+            </a:pPr>
+            <a:r>
+              <a:rPr lang="en-US" altLang="zh-CN" sz="2000" dirty="0">
+                <a:latin typeface="jkrFZYH" panose="02000000000000000000" pitchFamily="2" charset="-122"/>
+                <a:ea typeface="jkrFZYH" panose="02000000000000000000" pitchFamily="2" charset="-122"/>
+              </a:rPr>
+              <a:t>L, Local — Names assigned in any way within a function (def or lambda)), and not declared global in that function.</a:t>
+            </a:r>
+          </a:p>
+          <a:p>
+            <a:pPr marL="914400" lvl="1" indent="-457200" algn="just">
+              <a:lnSpc>
+                <a:spcPct val="150000"/>
+              </a:lnSpc>
+              <a:buFont typeface="Arial" panose="020B0604020202020204" pitchFamily="34" charset="0"/>
+              <a:buChar char="•"/>
+            </a:pPr>
+            <a:r>
+              <a:rPr lang="en-US" altLang="zh-CN" sz="2000" dirty="0">
+                <a:latin typeface="jkrFZYH" panose="02000000000000000000" pitchFamily="2" charset="-122"/>
+                <a:ea typeface="jkrFZYH" panose="02000000000000000000" pitchFamily="2" charset="-122"/>
+              </a:rPr>
+              <a:t>E, Enclosing-function locals — Name in the local scope of any and all statically enclosing functions (def or lambda), from inner to outer.</a:t>
+            </a:r>
+          </a:p>
+          <a:p>
+            <a:pPr marL="914400" lvl="1" indent="-457200" algn="just">
+              <a:lnSpc>
+                <a:spcPct val="150000"/>
+              </a:lnSpc>
+              <a:buFont typeface="Arial" panose="020B0604020202020204" pitchFamily="34" charset="0"/>
+              <a:buChar char="•"/>
+            </a:pPr>
+            <a:r>
+              <a:rPr lang="en-US" altLang="zh-CN" sz="2000" dirty="0">
+                <a:latin typeface="jkrFZYH" panose="02000000000000000000" pitchFamily="2" charset="-122"/>
+                <a:ea typeface="jkrFZYH" panose="02000000000000000000" pitchFamily="2" charset="-122"/>
+              </a:rPr>
+              <a:t>G, Global (module) — Names assigned at the top-level of a module file, or by executing a global statement in a def within the file.</a:t>
+            </a:r>
+          </a:p>
+          <a:p>
+            <a:pPr marL="914400" lvl="1" indent="-457200" algn="just">
+              <a:lnSpc>
+                <a:spcPct val="150000"/>
+              </a:lnSpc>
+              <a:buFont typeface="Arial" panose="020B0604020202020204" pitchFamily="34" charset="0"/>
+              <a:buChar char="•"/>
+            </a:pPr>
+            <a:r>
+              <a:rPr lang="en-US" altLang="zh-CN" sz="2000" dirty="0">
+                <a:latin typeface="jkrFZYH" panose="02000000000000000000" pitchFamily="2" charset="-122"/>
+                <a:ea typeface="jkrFZYH" panose="02000000000000000000" pitchFamily="2" charset="-122"/>
+              </a:rPr>
+              <a:t>B, Built-in (Python) — Names preassigned in the built-in names module : open, range, </a:t>
+            </a:r>
+            <a:r>
+              <a:rPr lang="en-US" altLang="zh-CN" sz="2000" dirty="0" err="1">
+                <a:latin typeface="jkrFZYH" panose="02000000000000000000" pitchFamily="2" charset="-122"/>
+                <a:ea typeface="jkrFZYH" panose="02000000000000000000" pitchFamily="2" charset="-122"/>
+              </a:rPr>
+              <a:t>SyntaxError</a:t>
+            </a:r>
+            <a:r>
+              <a:rPr lang="en-US" altLang="zh-CN" sz="2000" dirty="0">
+                <a:latin typeface="jkrFZYH" panose="02000000000000000000" pitchFamily="2" charset="-122"/>
+                <a:ea typeface="jkrFZYH" panose="02000000000000000000" pitchFamily="2" charset="-122"/>
+              </a:rPr>
+              <a:t>, ... </a:t>
+            </a:r>
+            <a:r>
+              <a:rPr lang="en-US" altLang="zh-CN" sz="2000" dirty="0">
+                <a:latin typeface="jkrFZYH" panose="02000000000000000000" pitchFamily="2" charset="-122"/>
+                <a:ea typeface="jkrFZYH" panose="02000000000000000000" pitchFamily="2" charset="-122"/>
+              </a:rPr>
+              <a:t>Object</a:t>
+            </a:r>
           </a:p>
         </p:txBody>
       </p:sp>
     </p:spTree>
     <p:extLst>
       <p:ext uri="{BB962C8B-B14F-4D97-AF65-F5344CB8AC3E}">
-        <p14:creationId xmlns:p14="http://schemas.microsoft.com/office/powerpoint/2010/main" val="3396091297"/>
+        <p14:creationId xmlns:p14="http://schemas.microsoft.com/office/powerpoint/2010/main" val="3367482222"/>
       </p:ext>
     </p:extLst>
   </p:cSld>
   <p:clrMapOvr>
     <a:masterClrMapping/>
   </p:clrMapOvr>
-  <p:timing>
-    <p:tnLst>
-      <p:par>
-        <p:cTn id="1" dur="indefinite" restart="never" nodeType="tmRoot"/>
-      </p:par>
-    </p:tnLst>
-  </p:timing>
 </p:sld>
 </file>
 
@@ -14390,46 +14598,136 @@
       </p:grpSpPr>
       <p:sp>
         <p:nvSpPr>
-          <p:cNvPr id="2" name="标题 1"/>
-          <p:cNvSpPr>
-            <a:spLocks noGrp="1"/>
-          </p:cNvSpPr>
-          <p:nvPr>
-            <p:ph type="ctrTitle"/>
-          </p:nvPr>
+          <p:cNvPr id="3" name="文本框 2"/>
+          <p:cNvSpPr txBox="1"/>
+          <p:nvPr/>
         </p:nvSpPr>
-        <p:spPr/>
+        <p:spPr>
+          <a:xfrm>
+            <a:off x="6559420" y="279028"/>
+            <a:ext cx="4602851" cy="923330"/>
+          </a:xfrm>
+          <a:prstGeom prst="rect">
+            <a:avLst/>
+          </a:prstGeom>
+          <a:noFill/>
+        </p:spPr>
         <p:txBody>
-          <a:bodyPr/>
+          <a:bodyPr wrap="square" rtlCol="0">
+            <a:spAutoFit/>
+          </a:bodyPr>
           <a:lstStyle/>
           <a:p>
-            <a:endParaRPr lang="zh-CN" altLang="en-US"/>
+            <a:pPr marL="457200" indent="-457200">
+              <a:lnSpc>
+                <a:spcPct val="150000"/>
+              </a:lnSpc>
+              <a:buFont typeface="Arial" panose="020B0604020202020204" pitchFamily="34" charset="0"/>
+              <a:buChar char="•"/>
+            </a:pPr>
+            <a:r>
+              <a:rPr lang="zh-CN" altLang="en-US" sz="3600" dirty="0">
+                <a:latin typeface="jkrFZYH" panose="02000000000000000000" pitchFamily="2" charset="-122"/>
+                <a:ea typeface="jkrFZYH" panose="02000000000000000000" pitchFamily="2" charset="-122"/>
+              </a:rPr>
+              <a:t>符号表和类型检查</a:t>
+            </a:r>
           </a:p>
         </p:txBody>
       </p:sp>
       <p:sp>
         <p:nvSpPr>
-          <p:cNvPr id="3" name="副标题 2"/>
-          <p:cNvSpPr>
-            <a:spLocks noGrp="1"/>
-          </p:cNvSpPr>
-          <p:nvPr>
-            <p:ph type="subTitle" idx="1"/>
-          </p:nvPr>
+          <p:cNvPr id="2" name="文本框 1"/>
+          <p:cNvSpPr txBox="1"/>
+          <p:nvPr/>
         </p:nvSpPr>
-        <p:spPr/>
+        <p:spPr>
+          <a:xfrm>
+            <a:off x="2211356" y="1363467"/>
+            <a:ext cx="8950915" cy="669029"/>
+          </a:xfrm>
+          <a:prstGeom prst="rect">
+            <a:avLst/>
+          </a:prstGeom>
+          <a:noFill/>
+        </p:spPr>
         <p:txBody>
-          <a:bodyPr/>
+          <a:bodyPr wrap="square" rtlCol="0">
+            <a:spAutoFit/>
+          </a:bodyPr>
           <a:lstStyle/>
           <a:p>
-            <a:endParaRPr lang="zh-CN" altLang="en-US"/>
+            <a:pPr algn="just">
+              <a:lnSpc>
+                <a:spcPct val="150000"/>
+              </a:lnSpc>
+            </a:pPr>
+            <a:r>
+              <a:rPr lang="zh-CN" altLang="en-US" sz="2800" dirty="0">
+                <a:latin typeface="jkrFZYH" panose="02000000000000000000" pitchFamily="2" charset="-122"/>
+                <a:ea typeface="jkrFZYH" panose="02000000000000000000" pitchFamily="2" charset="-122"/>
+              </a:rPr>
+              <a:t>符号表数据结构：</a:t>
+            </a:r>
+            <a:endParaRPr lang="en-US" altLang="zh-CN" sz="2800" dirty="0">
+              <a:latin typeface="jkrFZYH" panose="02000000000000000000" pitchFamily="2" charset="-122"/>
+              <a:ea typeface="jkrFZYH" panose="02000000000000000000" pitchFamily="2" charset="-122"/>
+            </a:endParaRPr>
           </a:p>
         </p:txBody>
       </p:sp>
+      <p:pic>
+        <p:nvPicPr>
+          <p:cNvPr id="4" name="图片 3"/>
+          <p:cNvPicPr>
+            <a:picLocks noChangeAspect="1"/>
+          </p:cNvPicPr>
+          <p:nvPr/>
+        </p:nvPicPr>
+        <p:blipFill>
+          <a:blip r:embed="rId2"/>
+          <a:stretch>
+            <a:fillRect/>
+          </a:stretch>
+        </p:blipFill>
+        <p:spPr>
+          <a:xfrm>
+            <a:off x="4053143" y="2428362"/>
+            <a:ext cx="4085714" cy="1142857"/>
+          </a:xfrm>
+          <a:prstGeom prst="rect">
+            <a:avLst/>
+          </a:prstGeom>
+        </p:spPr>
+      </p:pic>
+      <p:pic>
+        <p:nvPicPr>
+          <p:cNvPr id="5" name="图片 4"/>
+          <p:cNvPicPr>
+            <a:picLocks noChangeAspect="1"/>
+          </p:cNvPicPr>
+          <p:nvPr/>
+        </p:nvPicPr>
+        <p:blipFill>
+          <a:blip r:embed="rId3"/>
+          <a:stretch>
+            <a:fillRect/>
+          </a:stretch>
+        </p:blipFill>
+        <p:spPr>
+          <a:xfrm>
+            <a:off x="4053143" y="3727499"/>
+            <a:ext cx="3352381" cy="1847619"/>
+          </a:xfrm>
+          <a:prstGeom prst="rect">
+            <a:avLst/>
+          </a:prstGeom>
+        </p:spPr>
+      </p:pic>
     </p:spTree>
     <p:extLst>
       <p:ext uri="{BB962C8B-B14F-4D97-AF65-F5344CB8AC3E}">
-        <p14:creationId xmlns:p14="http://schemas.microsoft.com/office/powerpoint/2010/main" val="2560416228"/>
+        <p14:creationId xmlns:p14="http://schemas.microsoft.com/office/powerpoint/2010/main" val="3526900280"/>
       </p:ext>
     </p:extLst>
   </p:cSld>
